--- a/doc/JSindo/install_win.pptx
+++ b/doc/JSindo/install_win.pptx
@@ -12,7 +12,7 @@
     <p:sldId id="303" r:id="rId3"/>
     <p:sldId id="304" r:id="rId4"/>
     <p:sldId id="305" r:id="rId5"/>
-    <p:sldId id="271" r:id="rId6"/>
+    <p:sldId id="306" r:id="rId6"/>
     <p:sldId id="289" r:id="rId7"/>
     <p:sldId id="294" r:id="rId8"/>
     <p:sldId id="297" r:id="rId9"/>
@@ -218,7 +218,7 @@
           <a:p>
             <a:fld id="{BB0F0136-69B4-D44B-9FED-4928016A3512}" type="datetimeFigureOut">
               <a:rPr kumimoji="1" lang="ja-JP" altLang="en-US" smtClean="0"/>
-              <a:t>2018/6/13</a:t>
+              <a:t>2018/9/20</a:t>
             </a:fld>
             <a:endParaRPr kumimoji="1" lang="ja-JP" altLang="en-US"/>
           </a:p>
@@ -817,7 +817,7 @@
           <a:p>
             <a:fld id="{8F1A2EAE-8A19-6140-AB90-FBA793328AFC}" type="datetime1">
               <a:rPr kumimoji="1" lang="ja-JP" altLang="en-US" smtClean="0"/>
-              <a:t>2018/6/13</a:t>
+              <a:t>2018/9/20</a:t>
             </a:fld>
             <a:endParaRPr kumimoji="1" lang="ja-JP" altLang="en-US"/>
           </a:p>
@@ -1014,7 +1014,7 @@
           <a:p>
             <a:fld id="{5032F6CD-D8C5-EA47-935C-33C61990A9AF}" type="datetime1">
               <a:rPr kumimoji="1" lang="ja-JP" altLang="en-US" smtClean="0"/>
-              <a:t>2018/6/13</a:t>
+              <a:t>2018/9/20</a:t>
             </a:fld>
             <a:endParaRPr kumimoji="1" lang="ja-JP" altLang="en-US"/>
           </a:p>
@@ -1221,7 +1221,7 @@
           <a:p>
             <a:fld id="{7432CAB7-B1D1-C842-BB27-1789136EF085}" type="datetime1">
               <a:rPr kumimoji="1" lang="ja-JP" altLang="en-US" smtClean="0"/>
-              <a:t>2018/6/13</a:t>
+              <a:t>2018/9/20</a:t>
             </a:fld>
             <a:endParaRPr kumimoji="1" lang="ja-JP" altLang="en-US"/>
           </a:p>
@@ -1418,7 +1418,7 @@
           <a:p>
             <a:fld id="{59F606A1-BF80-4F40-AD73-3A1303D72015}" type="datetime1">
               <a:rPr kumimoji="1" lang="ja-JP" altLang="en-US" smtClean="0"/>
-              <a:t>2018/6/13</a:t>
+              <a:t>2018/9/20</a:t>
             </a:fld>
             <a:endParaRPr kumimoji="1" lang="ja-JP" altLang="en-US"/>
           </a:p>
@@ -1657,7 +1657,7 @@
           <a:p>
             <a:fld id="{201370A8-86D7-DE4D-BAB6-D17D5C3BEC5A}" type="datetime1">
               <a:rPr kumimoji="1" lang="ja-JP" altLang="en-US" smtClean="0"/>
-              <a:t>2018/6/13</a:t>
+              <a:t>2018/9/20</a:t>
             </a:fld>
             <a:endParaRPr kumimoji="1" lang="ja-JP" altLang="en-US"/>
           </a:p>
@@ -1948,7 +1948,7 @@
           <a:p>
             <a:fld id="{2F8DFF1A-26F6-734D-81A6-596D27E77CDE}" type="datetime1">
               <a:rPr kumimoji="1" lang="ja-JP" altLang="en-US" smtClean="0"/>
-              <a:t>2018/6/13</a:t>
+              <a:t>2018/9/20</a:t>
             </a:fld>
             <a:endParaRPr kumimoji="1" lang="ja-JP" altLang="en-US"/>
           </a:p>
@@ -2374,7 +2374,7 @@
           <a:p>
             <a:fld id="{DA4D6ED2-2E77-3346-9932-196F8E0DDE9D}" type="datetime1">
               <a:rPr kumimoji="1" lang="ja-JP" altLang="en-US" smtClean="0"/>
-              <a:t>2018/6/13</a:t>
+              <a:t>2018/9/20</a:t>
             </a:fld>
             <a:endParaRPr kumimoji="1" lang="ja-JP" altLang="en-US"/>
           </a:p>
@@ -2487,7 +2487,7 @@
           <a:p>
             <a:fld id="{E0D62E53-0DE6-954C-A642-97CC889F03F2}" type="datetime1">
               <a:rPr kumimoji="1" lang="ja-JP" altLang="en-US" smtClean="0"/>
-              <a:t>2018/6/13</a:t>
+              <a:t>2018/9/20</a:t>
             </a:fld>
             <a:endParaRPr kumimoji="1" lang="ja-JP" altLang="en-US"/>
           </a:p>
@@ -2577,7 +2577,7 @@
           <a:p>
             <a:fld id="{4C76B436-8A19-1A40-8CF4-6DE75F461D19}" type="datetime1">
               <a:rPr kumimoji="1" lang="ja-JP" altLang="en-US" smtClean="0"/>
-              <a:t>2018/6/13</a:t>
+              <a:t>2018/9/20</a:t>
             </a:fld>
             <a:endParaRPr kumimoji="1" lang="ja-JP" altLang="en-US"/>
           </a:p>
@@ -2881,7 +2881,7 @@
           <a:p>
             <a:fld id="{50F977A8-A6EB-6544-A402-5123A38A5E0F}" type="datetime1">
               <a:rPr kumimoji="1" lang="ja-JP" altLang="en-US" smtClean="0"/>
-              <a:t>2018/6/13</a:t>
+              <a:t>2018/9/20</a:t>
             </a:fld>
             <a:endParaRPr kumimoji="1" lang="ja-JP" altLang="en-US"/>
           </a:p>
@@ -3133,7 +3133,7 @@
           <a:p>
             <a:fld id="{AC63A33F-D5AB-5D4B-9CED-7FFE32473911}" type="datetime1">
               <a:rPr kumimoji="1" lang="ja-JP" altLang="en-US" smtClean="0"/>
-              <a:t>2018/6/13</a:t>
+              <a:t>2018/9/20</a:t>
             </a:fld>
             <a:endParaRPr kumimoji="1" lang="ja-JP" altLang="en-US"/>
           </a:p>
@@ -3373,7 +3373,7 @@
           <a:p>
             <a:fld id="{533D1301-D078-CF4D-9B69-E985276E2D1F}" type="datetime1">
               <a:rPr kumimoji="1" lang="ja-JP" altLang="en-US" smtClean="0"/>
-              <a:t>2018/6/13</a:t>
+              <a:t>2018/9/20</a:t>
             </a:fld>
             <a:endParaRPr kumimoji="1" lang="ja-JP" altLang="en-US"/>
           </a:p>
@@ -3863,8 +3863,8 @@
           <a:p>
             <a:pPr algn="ctr"/>
             <a:r>
-              <a:rPr kumimoji="1" lang="en-US" altLang="ja-JP" dirty="0" smtClean="0"/>
-              <a:t>2018/06/01</a:t>
+              <a:rPr kumimoji="1" lang="en-US" altLang="ja-JP" smtClean="0"/>
+              <a:t>2018/09/20</a:t>
             </a:r>
             <a:endParaRPr kumimoji="1" lang="ja-JP" altLang="en-US" dirty="0"/>
           </a:p>
@@ -6861,6 +6861,36 @@
           <a:chExt cx="0" cy="0"/>
         </a:xfrm>
       </p:grpSpPr>
+      <p:pic>
+        <p:nvPicPr>
+          <p:cNvPr id="19" name="図 18"/>
+          <p:cNvPicPr>
+            <a:picLocks noChangeAspect="1"/>
+          </p:cNvPicPr>
+          <p:nvPr/>
+        </p:nvPicPr>
+        <p:blipFill>
+          <a:blip r:embed="rId2">
+            <a:extLst>
+              <a:ext uri="{28A0092B-C50C-407E-A947-70E740481C1C}">
+                <a14:useLocalDpi xmlns:a14="http://schemas.microsoft.com/office/drawing/2010/main" val="0"/>
+              </a:ext>
+            </a:extLst>
+          </a:blip>
+          <a:stretch>
+            <a:fillRect/>
+          </a:stretch>
+        </p:blipFill>
+        <p:spPr>
+          <a:xfrm>
+            <a:off x="4282021" y="1645002"/>
+            <a:ext cx="4608063" cy="3277093"/>
+          </a:xfrm>
+          <a:prstGeom prst="rect">
+            <a:avLst/>
+          </a:prstGeom>
+        </p:spPr>
+      </p:pic>
       <p:sp>
         <p:nvSpPr>
           <p:cNvPr id="2" name="タイトル 1"/>
@@ -6882,7 +6912,11 @@
             </a:r>
             <a:r>
               <a:rPr lang="en-US" altLang="ja-JP" dirty="0" smtClean="0"/>
-              <a:t>Download Java3D</a:t>
+              <a:t>Download </a:t>
+            </a:r>
+            <a:r>
+              <a:rPr lang="en-US" altLang="ja-JP" dirty="0"/>
+              <a:t>Java3D</a:t>
             </a:r>
             <a:endParaRPr kumimoji="1" lang="ja-JP" altLang="en-US" dirty="0"/>
           </a:p>
@@ -6911,36 +6945,6 @@
           </a:p>
         </p:txBody>
       </p:sp>
-      <p:pic>
-        <p:nvPicPr>
-          <p:cNvPr id="5" name="図 4"/>
-          <p:cNvPicPr>
-            <a:picLocks noChangeAspect="1"/>
-          </p:cNvPicPr>
-          <p:nvPr/>
-        </p:nvPicPr>
-        <p:blipFill>
-          <a:blip r:embed="rId2" cstate="screen">
-            <a:extLst>
-              <a:ext uri="{28A0092B-C50C-407E-A947-70E740481C1C}">
-                <a14:useLocalDpi xmlns:a14="http://schemas.microsoft.com/office/drawing/2010/main"/>
-              </a:ext>
-            </a:extLst>
-          </a:blip>
-          <a:stretch>
-            <a:fillRect/>
-          </a:stretch>
-        </p:blipFill>
-        <p:spPr>
-          <a:xfrm>
-            <a:off x="4875448" y="1615108"/>
-            <a:ext cx="3354808" cy="2011732"/>
-          </a:xfrm>
-          <a:prstGeom prst="rect">
-            <a:avLst/>
-          </a:prstGeom>
-        </p:spPr>
-      </p:pic>
       <p:sp>
         <p:nvSpPr>
           <p:cNvPr id="6" name="正方形/長方形 5"/>
@@ -6949,8 +6953,8 @@
         </p:nvSpPr>
         <p:spPr>
           <a:xfrm>
-            <a:off x="4970808" y="2580522"/>
-            <a:ext cx="1196729" cy="185987"/>
+            <a:off x="4288973" y="3769553"/>
+            <a:ext cx="1268800" cy="198824"/>
           </a:xfrm>
           <a:prstGeom prst="rect">
             <a:avLst/>
@@ -6988,19 +6992,73 @@
           </a:p>
         </p:txBody>
       </p:sp>
+      <p:sp>
+        <p:nvSpPr>
+          <p:cNvPr id="9" name="テキスト ボックス 8"/>
+          <p:cNvSpPr txBox="1"/>
+          <p:nvPr/>
+        </p:nvSpPr>
+        <p:spPr>
+          <a:xfrm>
+            <a:off x="820948" y="836915"/>
+            <a:ext cx="7681784" cy="646331"/>
+          </a:xfrm>
+          <a:prstGeom prst="rect">
+            <a:avLst/>
+          </a:prstGeom>
+          <a:noFill/>
+        </p:spPr>
+        <p:txBody>
+          <a:bodyPr wrap="square" rtlCol="0">
+            <a:spAutoFit/>
+          </a:bodyPr>
+          <a:lstStyle/>
+          <a:p>
+            <a:r>
+              <a:rPr lang="en-US" altLang="ja-JP" dirty="0" err="1" smtClean="0"/>
+              <a:t>JSindo</a:t>
+            </a:r>
+            <a:r>
+              <a:rPr lang="en-US" altLang="ja-JP" dirty="0" smtClean="0"/>
+              <a:t> uses Java3D for visualization. A stable version, 1.6.0, is available from </a:t>
+            </a:r>
+            <a:r>
+              <a:rPr lang="en-US" altLang="ja-JP" dirty="0" err="1" smtClean="0"/>
+              <a:t>JogAmp</a:t>
+            </a:r>
+            <a:r>
+              <a:rPr lang="en-US" altLang="ja-JP" dirty="0" smtClean="0"/>
+              <a:t>. </a:t>
+            </a:r>
+            <a:r>
+              <a:rPr lang="en-US" altLang="ja-JP" dirty="0" err="1" smtClean="0"/>
+              <a:t>Goto</a:t>
+            </a:r>
+            <a:r>
+              <a:rPr lang="en-US" altLang="ja-JP" dirty="0" smtClean="0"/>
+              <a:t> http://</a:t>
+            </a:r>
+            <a:r>
+              <a:rPr lang="en-US" altLang="ja-JP" dirty="0" err="1" smtClean="0"/>
+              <a:t>jogamp.org</a:t>
+            </a:r>
+            <a:endParaRPr kumimoji="1" lang="ja-JP" altLang="en-US" dirty="0"/>
+          </a:p>
+        </p:txBody>
+      </p:sp>
       <p:pic>
         <p:nvPicPr>
-          <p:cNvPr id="7" name="図 6"/>
+          <p:cNvPr id="10" name="図 9"/>
           <p:cNvPicPr>
             <a:picLocks noChangeAspect="1"/>
           </p:cNvPicPr>
           <p:nvPr/>
         </p:nvPicPr>
         <p:blipFill>
-          <a:blip r:embed="rId3" cstate="screen">
+          <a:blip r:embed="rId3">
             <a:extLst>
               <a:ext uri="{28A0092B-C50C-407E-A947-70E740481C1C}">
-                <a14:useLocalDpi xmlns:a14="http://schemas.microsoft.com/office/drawing/2010/main"/>
+                <a14:useLocalDpi xmlns:a14="http://schemas.microsoft.com/office/drawing/2010/main" val="0"/>
               </a:ext>
             </a:extLst>
           </a:blip>
@@ -7010,24 +7068,60 @@
         </p:blipFill>
         <p:spPr>
           <a:xfrm>
-            <a:off x="4906859" y="3853719"/>
-            <a:ext cx="3334558" cy="2898368"/>
+            <a:off x="712187" y="1673772"/>
+            <a:ext cx="3224666" cy="2796046"/>
           </a:xfrm>
           <a:prstGeom prst="rect">
             <a:avLst/>
           </a:prstGeom>
         </p:spPr>
       </p:pic>
-      <p:sp>
-        <p:nvSpPr>
-          <p:cNvPr id="8" name="正方形/長方形 7"/>
+      <p:cxnSp>
+        <p:nvCxnSpPr>
+          <p:cNvPr id="11" name="直線矢印コネクタ 10"/>
+          <p:cNvCxnSpPr/>
+          <p:nvPr/>
+        </p:nvCxnSpPr>
+        <p:spPr>
+          <a:xfrm>
+            <a:off x="2973525" y="3605319"/>
+            <a:ext cx="1192886" cy="0"/>
+          </a:xfrm>
+          <a:prstGeom prst="straightConnector1">
+            <a:avLst/>
+          </a:prstGeom>
+          <a:ln w="28575">
+            <a:solidFill>
+              <a:srgbClr val="00B050"/>
+            </a:solidFill>
+            <a:tailEnd type="triangle"/>
+          </a:ln>
+        </p:spPr>
+        <p:style>
+          <a:lnRef idx="1">
+            <a:schemeClr val="accent1"/>
+          </a:lnRef>
+          <a:fillRef idx="0">
+            <a:schemeClr val="accent1"/>
+          </a:fillRef>
+          <a:effectRef idx="0">
+            <a:schemeClr val="accent1"/>
+          </a:effectRef>
+          <a:fontRef idx="minor">
+            <a:schemeClr val="tx1"/>
+          </a:fontRef>
+        </p:style>
+      </p:cxnSp>
+      <p:sp>
+        <p:nvSpPr>
+          <p:cNvPr id="12" name="正方形/長方形 11"/>
           <p:cNvSpPr/>
           <p:nvPr/>
         </p:nvSpPr>
         <p:spPr>
           <a:xfrm>
-            <a:off x="4954215" y="6530882"/>
-            <a:ext cx="1196729" cy="185987"/>
+            <a:off x="2810564" y="3536111"/>
+            <a:ext cx="157655" cy="142574"/>
           </a:xfrm>
           <a:prstGeom prst="rect">
             <a:avLst/>
@@ -7067,14 +7161,14 @@
       </p:sp>
       <p:sp>
         <p:nvSpPr>
-          <p:cNvPr id="9" name="テキスト ボックス 8"/>
+          <p:cNvPr id="13" name="テキスト ボックス 12"/>
           <p:cNvSpPr txBox="1"/>
           <p:nvPr/>
         </p:nvSpPr>
         <p:spPr>
           <a:xfrm>
-            <a:off x="820948" y="836915"/>
-            <a:ext cx="7681784" cy="646331"/>
+            <a:off x="3142914" y="3692457"/>
+            <a:ext cx="1072922" cy="369332"/>
           </a:xfrm>
           <a:prstGeom prst="rect">
             <a:avLst/>
@@ -7082,85 +7176,29 @@
           <a:noFill/>
         </p:spPr>
         <p:txBody>
-          <a:bodyPr wrap="square" rtlCol="0">
+          <a:bodyPr wrap="none" rtlCol="0">
             <a:spAutoFit/>
           </a:bodyPr>
           <a:lstStyle/>
           <a:p>
             <a:r>
-              <a:rPr lang="en-US" altLang="ja-JP" dirty="0" err="1" smtClean="0"/>
-              <a:t>JSindo</a:t>
-            </a:r>
-            <a:r>
-              <a:rPr lang="en-US" altLang="ja-JP" dirty="0" smtClean="0"/>
-              <a:t> uses Java3D for visualization. A stable version, 1.6.0, is available from </a:t>
-            </a:r>
-            <a:r>
-              <a:rPr lang="en-US" altLang="ja-JP" dirty="0" err="1" smtClean="0"/>
-              <a:t>JogAmp</a:t>
-            </a:r>
-            <a:r>
-              <a:rPr lang="en-US" altLang="ja-JP" dirty="0" smtClean="0"/>
-              <a:t>. </a:t>
-            </a:r>
-            <a:r>
-              <a:rPr lang="en-US" altLang="ja-JP" dirty="0" err="1" smtClean="0"/>
-              <a:t>Goto</a:t>
-            </a:r>
-            <a:r>
-              <a:rPr lang="en-US" altLang="ja-JP" dirty="0" smtClean="0"/>
-              <a:t> http://</a:t>
-            </a:r>
-            <a:r>
-              <a:rPr lang="en-US" altLang="ja-JP" dirty="0" err="1" smtClean="0"/>
-              <a:t>jogamp.org</a:t>
+              <a:rPr kumimoji="1" lang="en-US" altLang="ja-JP" smtClean="0"/>
+              <a:t>click here</a:t>
             </a:r>
             <a:endParaRPr kumimoji="1" lang="ja-JP" altLang="en-US" dirty="0"/>
           </a:p>
         </p:txBody>
       </p:sp>
-      <p:pic>
-        <p:nvPicPr>
-          <p:cNvPr id="10" name="図 9"/>
-          <p:cNvPicPr>
-            <a:picLocks noChangeAspect="1"/>
-          </p:cNvPicPr>
-          <p:nvPr/>
-        </p:nvPicPr>
-        <p:blipFill>
-          <a:blip r:embed="rId4" cstate="screen">
-            <a:extLst>
-              <a:ext uri="{28A0092B-C50C-407E-A947-70E740481C1C}">
-                <a14:useLocalDpi xmlns:a14="http://schemas.microsoft.com/office/drawing/2010/main"/>
-              </a:ext>
-            </a:extLst>
-          </a:blip>
-          <a:stretch>
-            <a:fillRect/>
-          </a:stretch>
-        </p:blipFill>
-        <p:spPr>
-          <a:xfrm>
-            <a:off x="925099" y="1566195"/>
-            <a:ext cx="3224666" cy="2796046"/>
-          </a:xfrm>
-          <a:prstGeom prst="rect">
-            <a:avLst/>
-          </a:prstGeom>
-        </p:spPr>
-      </p:pic>
       <p:cxnSp>
         <p:nvCxnSpPr>
-          <p:cNvPr id="11" name="直線矢印コネクタ 10"/>
-          <p:cNvCxnSpPr>
-            <a:endCxn id="5" idx="1"/>
-          </p:cNvCxnSpPr>
+          <p:cNvPr id="15" name="直線矢印コネクタ 14"/>
+          <p:cNvCxnSpPr/>
           <p:nvPr/>
         </p:nvCxnSpPr>
         <p:spPr>
           <a:xfrm flipV="1">
-            <a:off x="1698171" y="2620974"/>
-            <a:ext cx="3177277" cy="395358"/>
+            <a:off x="5351929" y="4042850"/>
+            <a:ext cx="1441" cy="946009"/>
           </a:xfrm>
           <a:prstGeom prst="straightConnector1">
             <a:avLst/>
@@ -7189,61 +7227,14 @@
       </p:cxnSp>
       <p:sp>
         <p:nvSpPr>
-          <p:cNvPr id="12" name="正方形/長方形 11"/>
-          <p:cNvSpPr/>
-          <p:nvPr/>
-        </p:nvSpPr>
-        <p:spPr>
-          <a:xfrm>
-            <a:off x="1138493" y="2962541"/>
-            <a:ext cx="546443" cy="142574"/>
-          </a:xfrm>
-          <a:prstGeom prst="rect">
-            <a:avLst/>
-          </a:prstGeom>
-          <a:noFill/>
-          <a:ln w="28575">
-            <a:solidFill>
-              <a:srgbClr val="00B050"/>
-            </a:solidFill>
-            <a:prstDash val="sysDash"/>
-          </a:ln>
-        </p:spPr>
-        <p:style>
-          <a:lnRef idx="2">
-            <a:schemeClr val="accent1">
-              <a:shade val="50000"/>
-            </a:schemeClr>
-          </a:lnRef>
-          <a:fillRef idx="1">
-            <a:schemeClr val="accent1"/>
-          </a:fillRef>
-          <a:effectRef idx="0">
-            <a:schemeClr val="accent1"/>
-          </a:effectRef>
-          <a:fontRef idx="minor">
-            <a:schemeClr val="lt1"/>
-          </a:fontRef>
-        </p:style>
-        <p:txBody>
-          <a:bodyPr rtlCol="0" anchor="ctr"/>
-          <a:lstStyle/>
-          <a:p>
-            <a:pPr algn="ctr"/>
-            <a:endParaRPr kumimoji="1" lang="ja-JP" altLang="en-US"/>
-          </a:p>
-        </p:txBody>
-      </p:sp>
-      <p:sp>
-        <p:nvSpPr>
-          <p:cNvPr id="13" name="テキスト ボックス 12"/>
+          <p:cNvPr id="16" name="テキスト ボックス 15"/>
           <p:cNvSpPr txBox="1"/>
           <p:nvPr/>
         </p:nvSpPr>
         <p:spPr>
           <a:xfrm>
-            <a:off x="1709906" y="2608219"/>
-            <a:ext cx="1072922" cy="369332"/>
+            <a:off x="4811067" y="4968682"/>
+            <a:ext cx="2470035" cy="646331"/>
           </a:xfrm>
           <a:prstGeom prst="rect">
             <a:avLst/>
@@ -7257,102 +7248,6 @@
           <a:lstStyle/>
           <a:p>
             <a:r>
-              <a:rPr kumimoji="1" lang="en-US" altLang="ja-JP" smtClean="0"/>
-              <a:t>click here</a:t>
-            </a:r>
-            <a:endParaRPr kumimoji="1" lang="ja-JP" altLang="en-US" dirty="0"/>
-          </a:p>
-        </p:txBody>
-      </p:sp>
-      <p:sp>
-        <p:nvSpPr>
-          <p:cNvPr id="14" name="テキスト ボックス 13"/>
-          <p:cNvSpPr txBox="1"/>
-          <p:nvPr/>
-        </p:nvSpPr>
-        <p:spPr>
-          <a:xfrm>
-            <a:off x="5624144" y="2169935"/>
-            <a:ext cx="1072922" cy="369332"/>
-          </a:xfrm>
-          <a:prstGeom prst="rect">
-            <a:avLst/>
-          </a:prstGeom>
-          <a:noFill/>
-        </p:spPr>
-        <p:txBody>
-          <a:bodyPr wrap="none" rtlCol="0">
-            <a:spAutoFit/>
-          </a:bodyPr>
-          <a:lstStyle/>
-          <a:p>
-            <a:r>
-              <a:rPr kumimoji="1" lang="en-US" altLang="ja-JP" dirty="0" smtClean="0"/>
-              <a:t>click here</a:t>
-            </a:r>
-            <a:endParaRPr kumimoji="1" lang="ja-JP" altLang="en-US" dirty="0"/>
-          </a:p>
-        </p:txBody>
-      </p:sp>
-      <p:cxnSp>
-        <p:nvCxnSpPr>
-          <p:cNvPr id="15" name="直線矢印コネクタ 14"/>
-          <p:cNvCxnSpPr/>
-          <p:nvPr/>
-        </p:nvCxnSpPr>
-        <p:spPr>
-          <a:xfrm>
-            <a:off x="4261615" y="6319271"/>
-            <a:ext cx="580767" cy="291966"/>
-          </a:xfrm>
-          <a:prstGeom prst="straightConnector1">
-            <a:avLst/>
-          </a:prstGeom>
-          <a:ln w="28575">
-            <a:solidFill>
-              <a:srgbClr val="00B050"/>
-            </a:solidFill>
-            <a:tailEnd type="triangle"/>
-          </a:ln>
-        </p:spPr>
-        <p:style>
-          <a:lnRef idx="1">
-            <a:schemeClr val="accent1"/>
-          </a:lnRef>
-          <a:fillRef idx="0">
-            <a:schemeClr val="accent1"/>
-          </a:fillRef>
-          <a:effectRef idx="0">
-            <a:schemeClr val="accent1"/>
-          </a:effectRef>
-          <a:fontRef idx="minor">
-            <a:schemeClr val="tx1"/>
-          </a:fontRef>
-        </p:style>
-      </p:cxnSp>
-      <p:sp>
-        <p:nvSpPr>
-          <p:cNvPr id="16" name="テキスト ボックス 15"/>
-          <p:cNvSpPr txBox="1"/>
-          <p:nvPr/>
-        </p:nvSpPr>
-        <p:spPr>
-          <a:xfrm>
-            <a:off x="1906502" y="5735164"/>
-            <a:ext cx="2470035" cy="646331"/>
-          </a:xfrm>
-          <a:prstGeom prst="rect">
-            <a:avLst/>
-          </a:prstGeom>
-          <a:noFill/>
-        </p:spPr>
-        <p:txBody>
-          <a:bodyPr wrap="none" rtlCol="0">
-            <a:spAutoFit/>
-          </a:bodyPr>
-          <a:lstStyle/>
-          <a:p>
-            <a:r>
               <a:rPr kumimoji="1" lang="en-US" altLang="ja-JP" dirty="0" smtClean="0"/>
               <a:t>click here and download</a:t>
             </a:r>
@@ -7366,46 +7261,10 @@
           </a:p>
         </p:txBody>
       </p:sp>
-      <p:cxnSp>
-        <p:nvCxnSpPr>
-          <p:cNvPr id="17" name="直線矢印コネクタ 16"/>
-          <p:cNvCxnSpPr/>
-          <p:nvPr/>
-        </p:nvCxnSpPr>
-        <p:spPr>
-          <a:xfrm flipH="1">
-            <a:off x="5521370" y="2699160"/>
-            <a:ext cx="509" cy="950418"/>
-          </a:xfrm>
-          <a:prstGeom prst="straightConnector1">
-            <a:avLst/>
-          </a:prstGeom>
-          <a:ln w="28575">
-            <a:solidFill>
-              <a:srgbClr val="00B050"/>
-            </a:solidFill>
-            <a:tailEnd type="triangle"/>
-          </a:ln>
-        </p:spPr>
-        <p:style>
-          <a:lnRef idx="1">
-            <a:schemeClr val="accent1"/>
-          </a:lnRef>
-          <a:fillRef idx="0">
-            <a:schemeClr val="accent1"/>
-          </a:fillRef>
-          <a:effectRef idx="0">
-            <a:schemeClr val="accent1"/>
-          </a:effectRef>
-          <a:fontRef idx="minor">
-            <a:schemeClr val="tx1"/>
-          </a:fontRef>
-        </p:style>
-      </p:cxnSp>
     </p:spTree>
     <p:extLst>
       <p:ext uri="{BB962C8B-B14F-4D97-AF65-F5344CB8AC3E}">
-        <p14:creationId xmlns:p14="http://schemas.microsoft.com/office/powerpoint/2010/main" val="231551129"/>
+        <p14:creationId xmlns:p14="http://schemas.microsoft.com/office/powerpoint/2010/main" val="467279208"/>
       </p:ext>
     </p:extLst>
   </p:cSld>

--- a/doc/JSindo/install_win.pptx
+++ b/doc/JSindo/install_win.pptx
@@ -218,7 +218,7 @@
           <a:p>
             <a:fld id="{BB0F0136-69B4-D44B-9FED-4928016A3512}" type="datetimeFigureOut">
               <a:rPr kumimoji="1" lang="ja-JP" altLang="en-US" smtClean="0"/>
-              <a:t>2018/9/20</a:t>
+              <a:t>2019/5/3</a:t>
             </a:fld>
             <a:endParaRPr kumimoji="1" lang="ja-JP" altLang="en-US"/>
           </a:p>
@@ -282,70 +282,69 @@
           <a:p>
             <a:pPr lvl="0"/>
             <a:r>
-              <a:rPr kumimoji="1" lang="ja-JP" altLang="en-US" smtClean="0"/>
+              <a:rPr kumimoji="1" lang="ja-JP" altLang="en-US"/>
               <a:t>マスター テキストの書式設定</a:t>
             </a:r>
           </a:p>
           <a:p>
             <a:pPr lvl="1"/>
             <a:r>
-              <a:rPr kumimoji="1" lang="ja-JP" altLang="en-US" smtClean="0"/>
+              <a:rPr kumimoji="1" lang="ja-JP" altLang="en-US"/>
               <a:t>第 </a:t>
             </a:r>
             <a:r>
-              <a:rPr kumimoji="1" lang="en-US" altLang="ja-JP" smtClean="0"/>
+              <a:rPr kumimoji="1" lang="en-US" altLang="ja-JP"/>
               <a:t>2 </a:t>
             </a:r>
             <a:r>
-              <a:rPr kumimoji="1" lang="ja-JP" altLang="en-US" smtClean="0"/>
+              <a:rPr kumimoji="1" lang="ja-JP" altLang="en-US"/>
               <a:t>レベル</a:t>
             </a:r>
           </a:p>
           <a:p>
             <a:pPr lvl="2"/>
             <a:r>
-              <a:rPr kumimoji="1" lang="ja-JP" altLang="en-US" smtClean="0"/>
+              <a:rPr kumimoji="1" lang="ja-JP" altLang="en-US"/>
               <a:t>第 </a:t>
             </a:r>
             <a:r>
-              <a:rPr kumimoji="1" lang="en-US" altLang="ja-JP" smtClean="0"/>
+              <a:rPr kumimoji="1" lang="en-US" altLang="ja-JP"/>
               <a:t>3 </a:t>
             </a:r>
             <a:r>
-              <a:rPr kumimoji="1" lang="ja-JP" altLang="en-US" smtClean="0"/>
+              <a:rPr kumimoji="1" lang="ja-JP" altLang="en-US"/>
               <a:t>レベル</a:t>
             </a:r>
           </a:p>
           <a:p>
             <a:pPr lvl="3"/>
             <a:r>
-              <a:rPr kumimoji="1" lang="ja-JP" altLang="en-US" smtClean="0"/>
+              <a:rPr kumimoji="1" lang="ja-JP" altLang="en-US"/>
               <a:t>第 </a:t>
             </a:r>
             <a:r>
-              <a:rPr kumimoji="1" lang="en-US" altLang="ja-JP" smtClean="0"/>
+              <a:rPr kumimoji="1" lang="en-US" altLang="ja-JP"/>
               <a:t>4 </a:t>
             </a:r>
             <a:r>
-              <a:rPr kumimoji="1" lang="ja-JP" altLang="en-US" smtClean="0"/>
+              <a:rPr kumimoji="1" lang="ja-JP" altLang="en-US"/>
               <a:t>レベル</a:t>
             </a:r>
           </a:p>
           <a:p>
             <a:pPr lvl="4"/>
             <a:r>
-              <a:rPr kumimoji="1" lang="ja-JP" altLang="en-US" smtClean="0"/>
+              <a:rPr kumimoji="1" lang="ja-JP" altLang="en-US"/>
               <a:t>第 </a:t>
             </a:r>
             <a:r>
-              <a:rPr kumimoji="1" lang="en-US" altLang="ja-JP" smtClean="0"/>
+              <a:rPr kumimoji="1" lang="en-US" altLang="ja-JP"/>
               <a:t>5 </a:t>
             </a:r>
             <a:r>
-              <a:rPr kumimoji="1" lang="ja-JP" altLang="en-US" smtClean="0"/>
+              <a:rPr kumimoji="1" lang="ja-JP" altLang="en-US"/>
               <a:t>レベル</a:t>
             </a:r>
-            <a:endParaRPr kumimoji="1" lang="ja-JP" altLang="en-US"/>
           </a:p>
         </p:txBody>
       </p:sp>
@@ -728,7 +727,7 @@
           </a:lstStyle>
           <a:p>
             <a:r>
-              <a:rPr lang="ja-JP" altLang="en-US" smtClean="0"/>
+              <a:rPr lang="ja-JP" altLang="en-US"/>
               <a:t>マスター タイトルの書式設定</a:t>
             </a:r>
             <a:endParaRPr lang="en-US" dirty="0"/>
@@ -793,7 +792,7 @@
           </a:lstStyle>
           <a:p>
             <a:r>
-              <a:rPr lang="ja-JP" altLang="en-US" smtClean="0"/>
+              <a:rPr lang="ja-JP" altLang="en-US"/>
               <a:t>マスター サブタイトルの書式設定</a:t>
             </a:r>
             <a:endParaRPr lang="en-US" dirty="0"/>
@@ -817,7 +816,7 @@
           <a:p>
             <a:fld id="{8F1A2EAE-8A19-6140-AB90-FBA793328AFC}" type="datetime1">
               <a:rPr kumimoji="1" lang="ja-JP" altLang="en-US" smtClean="0"/>
-              <a:t>2018/9/20</a:t>
+              <a:t>2019/5/3</a:t>
             </a:fld>
             <a:endParaRPr kumimoji="1" lang="ja-JP" altLang="en-US"/>
           </a:p>
@@ -906,7 +905,7 @@
           <a:lstStyle/>
           <a:p>
             <a:r>
-              <a:rPr lang="ja-JP" altLang="en-US" smtClean="0"/>
+              <a:rPr lang="ja-JP" altLang="en-US"/>
               <a:t>マスター タイトルの書式設定</a:t>
             </a:r>
             <a:endParaRPr lang="en-US" dirty="0"/>
@@ -930,67 +929,67 @@
           <a:p>
             <a:pPr lvl="0"/>
             <a:r>
-              <a:rPr lang="ja-JP" altLang="en-US" smtClean="0"/>
+              <a:rPr lang="ja-JP" altLang="en-US"/>
               <a:t>マスター テキストの書式設定</a:t>
             </a:r>
           </a:p>
           <a:p>
             <a:pPr lvl="1"/>
             <a:r>
-              <a:rPr lang="ja-JP" altLang="en-US" smtClean="0"/>
+              <a:rPr lang="ja-JP" altLang="en-US"/>
               <a:t>第 </a:t>
             </a:r>
             <a:r>
-              <a:rPr lang="en-US" altLang="ja-JP" smtClean="0"/>
+              <a:rPr lang="en-US" altLang="ja-JP"/>
               <a:t>2 </a:t>
             </a:r>
             <a:r>
-              <a:rPr lang="ja-JP" altLang="en-US" smtClean="0"/>
+              <a:rPr lang="ja-JP" altLang="en-US"/>
               <a:t>レベル</a:t>
             </a:r>
           </a:p>
           <a:p>
             <a:pPr lvl="2"/>
             <a:r>
-              <a:rPr lang="ja-JP" altLang="en-US" smtClean="0"/>
+              <a:rPr lang="ja-JP" altLang="en-US"/>
               <a:t>第 </a:t>
             </a:r>
             <a:r>
-              <a:rPr lang="en-US" altLang="ja-JP" smtClean="0"/>
+              <a:rPr lang="en-US" altLang="ja-JP"/>
               <a:t>3 </a:t>
             </a:r>
             <a:r>
-              <a:rPr lang="ja-JP" altLang="en-US" smtClean="0"/>
+              <a:rPr lang="ja-JP" altLang="en-US"/>
               <a:t>レベル</a:t>
             </a:r>
           </a:p>
           <a:p>
             <a:pPr lvl="3"/>
             <a:r>
-              <a:rPr lang="ja-JP" altLang="en-US" smtClean="0"/>
+              <a:rPr lang="ja-JP" altLang="en-US"/>
               <a:t>第 </a:t>
             </a:r>
             <a:r>
-              <a:rPr lang="en-US" altLang="ja-JP" smtClean="0"/>
+              <a:rPr lang="en-US" altLang="ja-JP"/>
               <a:t>4 </a:t>
             </a:r>
             <a:r>
-              <a:rPr lang="ja-JP" altLang="en-US" smtClean="0"/>
+              <a:rPr lang="ja-JP" altLang="en-US"/>
               <a:t>レベル</a:t>
             </a:r>
           </a:p>
           <a:p>
             <a:pPr lvl="4"/>
             <a:r>
-              <a:rPr lang="ja-JP" altLang="en-US" smtClean="0"/>
+              <a:rPr lang="ja-JP" altLang="en-US"/>
               <a:t>第 </a:t>
             </a:r>
             <a:r>
-              <a:rPr lang="en-US" altLang="ja-JP" smtClean="0"/>
+              <a:rPr lang="en-US" altLang="ja-JP"/>
               <a:t>5 </a:t>
             </a:r>
             <a:r>
-              <a:rPr lang="ja-JP" altLang="en-US" smtClean="0"/>
+              <a:rPr lang="ja-JP" altLang="en-US"/>
               <a:t>レベル</a:t>
             </a:r>
             <a:endParaRPr lang="en-US" dirty="0"/>
@@ -1014,7 +1013,7 @@
           <a:p>
             <a:fld id="{5032F6CD-D8C5-EA47-935C-33C61990A9AF}" type="datetime1">
               <a:rPr kumimoji="1" lang="ja-JP" altLang="en-US" smtClean="0"/>
-              <a:t>2018/9/20</a:t>
+              <a:t>2019/5/3</a:t>
             </a:fld>
             <a:endParaRPr kumimoji="1" lang="ja-JP" altLang="en-US"/>
           </a:p>
@@ -1108,7 +1107,7 @@
           <a:lstStyle/>
           <a:p>
             <a:r>
-              <a:rPr lang="ja-JP" altLang="en-US" smtClean="0"/>
+              <a:rPr lang="ja-JP" altLang="en-US"/>
               <a:t>マスター タイトルの書式設定</a:t>
             </a:r>
             <a:endParaRPr lang="en-US" dirty="0"/>
@@ -1137,67 +1136,67 @@
           <a:p>
             <a:pPr lvl="0"/>
             <a:r>
-              <a:rPr lang="ja-JP" altLang="en-US" smtClean="0"/>
+              <a:rPr lang="ja-JP" altLang="en-US"/>
               <a:t>マスター テキストの書式設定</a:t>
             </a:r>
           </a:p>
           <a:p>
             <a:pPr lvl="1"/>
             <a:r>
-              <a:rPr lang="ja-JP" altLang="en-US" smtClean="0"/>
+              <a:rPr lang="ja-JP" altLang="en-US"/>
               <a:t>第 </a:t>
             </a:r>
             <a:r>
-              <a:rPr lang="en-US" altLang="ja-JP" smtClean="0"/>
+              <a:rPr lang="en-US" altLang="ja-JP"/>
               <a:t>2 </a:t>
             </a:r>
             <a:r>
-              <a:rPr lang="ja-JP" altLang="en-US" smtClean="0"/>
+              <a:rPr lang="ja-JP" altLang="en-US"/>
               <a:t>レベル</a:t>
             </a:r>
           </a:p>
           <a:p>
             <a:pPr lvl="2"/>
             <a:r>
-              <a:rPr lang="ja-JP" altLang="en-US" smtClean="0"/>
+              <a:rPr lang="ja-JP" altLang="en-US"/>
               <a:t>第 </a:t>
             </a:r>
             <a:r>
-              <a:rPr lang="en-US" altLang="ja-JP" smtClean="0"/>
+              <a:rPr lang="en-US" altLang="ja-JP"/>
               <a:t>3 </a:t>
             </a:r>
             <a:r>
-              <a:rPr lang="ja-JP" altLang="en-US" smtClean="0"/>
+              <a:rPr lang="ja-JP" altLang="en-US"/>
               <a:t>レベル</a:t>
             </a:r>
           </a:p>
           <a:p>
             <a:pPr lvl="3"/>
             <a:r>
-              <a:rPr lang="ja-JP" altLang="en-US" smtClean="0"/>
+              <a:rPr lang="ja-JP" altLang="en-US"/>
               <a:t>第 </a:t>
             </a:r>
             <a:r>
-              <a:rPr lang="en-US" altLang="ja-JP" smtClean="0"/>
+              <a:rPr lang="en-US" altLang="ja-JP"/>
               <a:t>4 </a:t>
             </a:r>
             <a:r>
-              <a:rPr lang="ja-JP" altLang="en-US" smtClean="0"/>
+              <a:rPr lang="ja-JP" altLang="en-US"/>
               <a:t>レベル</a:t>
             </a:r>
           </a:p>
           <a:p>
             <a:pPr lvl="4"/>
             <a:r>
-              <a:rPr lang="ja-JP" altLang="en-US" smtClean="0"/>
+              <a:rPr lang="ja-JP" altLang="en-US"/>
               <a:t>第 </a:t>
             </a:r>
             <a:r>
-              <a:rPr lang="en-US" altLang="ja-JP" smtClean="0"/>
+              <a:rPr lang="en-US" altLang="ja-JP"/>
               <a:t>5 </a:t>
             </a:r>
             <a:r>
-              <a:rPr lang="ja-JP" altLang="en-US" smtClean="0"/>
+              <a:rPr lang="ja-JP" altLang="en-US"/>
               <a:t>レベル</a:t>
             </a:r>
             <a:endParaRPr lang="en-US" dirty="0"/>
@@ -1221,7 +1220,7 @@
           <a:p>
             <a:fld id="{7432CAB7-B1D1-C842-BB27-1789136EF085}" type="datetime1">
               <a:rPr kumimoji="1" lang="ja-JP" altLang="en-US" smtClean="0"/>
-              <a:t>2018/9/20</a:t>
+              <a:t>2019/5/3</a:t>
             </a:fld>
             <a:endParaRPr kumimoji="1" lang="ja-JP" altLang="en-US"/>
           </a:p>
@@ -1310,7 +1309,7 @@
           <a:lstStyle/>
           <a:p>
             <a:r>
-              <a:rPr lang="ja-JP" altLang="en-US" smtClean="0"/>
+              <a:rPr lang="ja-JP" altLang="en-US"/>
               <a:t>マスター タイトルの書式設定</a:t>
             </a:r>
             <a:endParaRPr lang="en-US" dirty="0"/>
@@ -1334,67 +1333,67 @@
           <a:p>
             <a:pPr lvl="0"/>
             <a:r>
-              <a:rPr lang="ja-JP" altLang="en-US" smtClean="0"/>
+              <a:rPr lang="ja-JP" altLang="en-US"/>
               <a:t>マスター テキストの書式設定</a:t>
             </a:r>
           </a:p>
           <a:p>
             <a:pPr lvl="1"/>
             <a:r>
-              <a:rPr lang="ja-JP" altLang="en-US" smtClean="0"/>
+              <a:rPr lang="ja-JP" altLang="en-US"/>
               <a:t>第 </a:t>
             </a:r>
             <a:r>
-              <a:rPr lang="en-US" altLang="ja-JP" smtClean="0"/>
+              <a:rPr lang="en-US" altLang="ja-JP"/>
               <a:t>2 </a:t>
             </a:r>
             <a:r>
-              <a:rPr lang="ja-JP" altLang="en-US" smtClean="0"/>
+              <a:rPr lang="ja-JP" altLang="en-US"/>
               <a:t>レベル</a:t>
             </a:r>
           </a:p>
           <a:p>
             <a:pPr lvl="2"/>
             <a:r>
-              <a:rPr lang="ja-JP" altLang="en-US" smtClean="0"/>
+              <a:rPr lang="ja-JP" altLang="en-US"/>
               <a:t>第 </a:t>
             </a:r>
             <a:r>
-              <a:rPr lang="en-US" altLang="ja-JP" smtClean="0"/>
+              <a:rPr lang="en-US" altLang="ja-JP"/>
               <a:t>3 </a:t>
             </a:r>
             <a:r>
-              <a:rPr lang="ja-JP" altLang="en-US" smtClean="0"/>
+              <a:rPr lang="ja-JP" altLang="en-US"/>
               <a:t>レベル</a:t>
             </a:r>
           </a:p>
           <a:p>
             <a:pPr lvl="3"/>
             <a:r>
-              <a:rPr lang="ja-JP" altLang="en-US" smtClean="0"/>
+              <a:rPr lang="ja-JP" altLang="en-US"/>
               <a:t>第 </a:t>
             </a:r>
             <a:r>
-              <a:rPr lang="en-US" altLang="ja-JP" smtClean="0"/>
+              <a:rPr lang="en-US" altLang="ja-JP"/>
               <a:t>4 </a:t>
             </a:r>
             <a:r>
-              <a:rPr lang="ja-JP" altLang="en-US" smtClean="0"/>
+              <a:rPr lang="ja-JP" altLang="en-US"/>
               <a:t>レベル</a:t>
             </a:r>
           </a:p>
           <a:p>
             <a:pPr lvl="4"/>
             <a:r>
-              <a:rPr lang="ja-JP" altLang="en-US" smtClean="0"/>
+              <a:rPr lang="ja-JP" altLang="en-US"/>
               <a:t>第 </a:t>
             </a:r>
             <a:r>
-              <a:rPr lang="en-US" altLang="ja-JP" smtClean="0"/>
+              <a:rPr lang="en-US" altLang="ja-JP"/>
               <a:t>5 </a:t>
             </a:r>
             <a:r>
-              <a:rPr lang="ja-JP" altLang="en-US" smtClean="0"/>
+              <a:rPr lang="ja-JP" altLang="en-US"/>
               <a:t>レベル</a:t>
             </a:r>
             <a:endParaRPr lang="en-US" dirty="0"/>
@@ -1418,7 +1417,7 @@
           <a:p>
             <a:fld id="{59F606A1-BF80-4F40-AD73-3A1303D72015}" type="datetime1">
               <a:rPr kumimoji="1" lang="ja-JP" altLang="en-US" smtClean="0"/>
-              <a:t>2018/9/20</a:t>
+              <a:t>2019/5/3</a:t>
             </a:fld>
             <a:endParaRPr kumimoji="1" lang="ja-JP" altLang="en-US"/>
           </a:p>
@@ -1516,7 +1515,7 @@
           </a:lstStyle>
           <a:p>
             <a:r>
-              <a:rPr lang="ja-JP" altLang="en-US" smtClean="0"/>
+              <a:rPr lang="ja-JP" altLang="en-US"/>
               <a:t>マスター タイトルの書式設定</a:t>
             </a:r>
             <a:endParaRPr lang="en-US" dirty="0"/>
@@ -1634,7 +1633,7 @@
           <a:p>
             <a:pPr lvl="0"/>
             <a:r>
-              <a:rPr lang="ja-JP" altLang="en-US" smtClean="0"/>
+              <a:rPr lang="ja-JP" altLang="en-US"/>
               <a:t>マスター テキストの書式設定</a:t>
             </a:r>
           </a:p>
@@ -1657,7 +1656,7 @@
           <a:p>
             <a:fld id="{201370A8-86D7-DE4D-BAB6-D17D5C3BEC5A}" type="datetime1">
               <a:rPr kumimoji="1" lang="ja-JP" altLang="en-US" smtClean="0"/>
-              <a:t>2018/9/20</a:t>
+              <a:t>2019/5/3</a:t>
             </a:fld>
             <a:endParaRPr kumimoji="1" lang="ja-JP" altLang="en-US"/>
           </a:p>
@@ -1746,7 +1745,7 @@
           <a:lstStyle/>
           <a:p>
             <a:r>
-              <a:rPr lang="ja-JP" altLang="en-US" smtClean="0"/>
+              <a:rPr lang="ja-JP" altLang="en-US"/>
               <a:t>マスター タイトルの書式設定</a:t>
             </a:r>
             <a:endParaRPr lang="en-US" dirty="0"/>
@@ -1775,67 +1774,67 @@
           <a:p>
             <a:pPr lvl="0"/>
             <a:r>
-              <a:rPr lang="ja-JP" altLang="en-US" smtClean="0"/>
+              <a:rPr lang="ja-JP" altLang="en-US"/>
               <a:t>マスター テキストの書式設定</a:t>
             </a:r>
           </a:p>
           <a:p>
             <a:pPr lvl="1"/>
             <a:r>
-              <a:rPr lang="ja-JP" altLang="en-US" smtClean="0"/>
+              <a:rPr lang="ja-JP" altLang="en-US"/>
               <a:t>第 </a:t>
             </a:r>
             <a:r>
-              <a:rPr lang="en-US" altLang="ja-JP" smtClean="0"/>
+              <a:rPr lang="en-US" altLang="ja-JP"/>
               <a:t>2 </a:t>
             </a:r>
             <a:r>
-              <a:rPr lang="ja-JP" altLang="en-US" smtClean="0"/>
+              <a:rPr lang="ja-JP" altLang="en-US"/>
               <a:t>レベル</a:t>
             </a:r>
           </a:p>
           <a:p>
             <a:pPr lvl="2"/>
             <a:r>
-              <a:rPr lang="ja-JP" altLang="en-US" smtClean="0"/>
+              <a:rPr lang="ja-JP" altLang="en-US"/>
               <a:t>第 </a:t>
             </a:r>
             <a:r>
-              <a:rPr lang="en-US" altLang="ja-JP" smtClean="0"/>
+              <a:rPr lang="en-US" altLang="ja-JP"/>
               <a:t>3 </a:t>
             </a:r>
             <a:r>
-              <a:rPr lang="ja-JP" altLang="en-US" smtClean="0"/>
+              <a:rPr lang="ja-JP" altLang="en-US"/>
               <a:t>レベル</a:t>
             </a:r>
           </a:p>
           <a:p>
             <a:pPr lvl="3"/>
             <a:r>
-              <a:rPr lang="ja-JP" altLang="en-US" smtClean="0"/>
+              <a:rPr lang="ja-JP" altLang="en-US"/>
               <a:t>第 </a:t>
             </a:r>
             <a:r>
-              <a:rPr lang="en-US" altLang="ja-JP" smtClean="0"/>
+              <a:rPr lang="en-US" altLang="ja-JP"/>
               <a:t>4 </a:t>
             </a:r>
             <a:r>
-              <a:rPr lang="ja-JP" altLang="en-US" smtClean="0"/>
+              <a:rPr lang="ja-JP" altLang="en-US"/>
               <a:t>レベル</a:t>
             </a:r>
           </a:p>
           <a:p>
             <a:pPr lvl="4"/>
             <a:r>
-              <a:rPr lang="ja-JP" altLang="en-US" smtClean="0"/>
+              <a:rPr lang="ja-JP" altLang="en-US"/>
               <a:t>第 </a:t>
             </a:r>
             <a:r>
-              <a:rPr lang="en-US" altLang="ja-JP" smtClean="0"/>
+              <a:rPr lang="en-US" altLang="ja-JP"/>
               <a:t>5 </a:t>
             </a:r>
             <a:r>
-              <a:rPr lang="ja-JP" altLang="en-US" smtClean="0"/>
+              <a:rPr lang="ja-JP" altLang="en-US"/>
               <a:t>レベル</a:t>
             </a:r>
             <a:endParaRPr lang="en-US" dirty="0"/>
@@ -1864,67 +1863,67 @@
           <a:p>
             <a:pPr lvl="0"/>
             <a:r>
-              <a:rPr lang="ja-JP" altLang="en-US" smtClean="0"/>
+              <a:rPr lang="ja-JP" altLang="en-US"/>
               <a:t>マスター テキストの書式設定</a:t>
             </a:r>
           </a:p>
           <a:p>
             <a:pPr lvl="1"/>
             <a:r>
-              <a:rPr lang="ja-JP" altLang="en-US" smtClean="0"/>
+              <a:rPr lang="ja-JP" altLang="en-US"/>
               <a:t>第 </a:t>
             </a:r>
             <a:r>
-              <a:rPr lang="en-US" altLang="ja-JP" smtClean="0"/>
+              <a:rPr lang="en-US" altLang="ja-JP"/>
               <a:t>2 </a:t>
             </a:r>
             <a:r>
-              <a:rPr lang="ja-JP" altLang="en-US" smtClean="0"/>
+              <a:rPr lang="ja-JP" altLang="en-US"/>
               <a:t>レベル</a:t>
             </a:r>
           </a:p>
           <a:p>
             <a:pPr lvl="2"/>
             <a:r>
-              <a:rPr lang="ja-JP" altLang="en-US" smtClean="0"/>
+              <a:rPr lang="ja-JP" altLang="en-US"/>
               <a:t>第 </a:t>
             </a:r>
             <a:r>
-              <a:rPr lang="en-US" altLang="ja-JP" smtClean="0"/>
+              <a:rPr lang="en-US" altLang="ja-JP"/>
               <a:t>3 </a:t>
             </a:r>
             <a:r>
-              <a:rPr lang="ja-JP" altLang="en-US" smtClean="0"/>
+              <a:rPr lang="ja-JP" altLang="en-US"/>
               <a:t>レベル</a:t>
             </a:r>
           </a:p>
           <a:p>
             <a:pPr lvl="3"/>
             <a:r>
-              <a:rPr lang="ja-JP" altLang="en-US" smtClean="0"/>
+              <a:rPr lang="ja-JP" altLang="en-US"/>
               <a:t>第 </a:t>
             </a:r>
             <a:r>
-              <a:rPr lang="en-US" altLang="ja-JP" smtClean="0"/>
+              <a:rPr lang="en-US" altLang="ja-JP"/>
               <a:t>4 </a:t>
             </a:r>
             <a:r>
-              <a:rPr lang="ja-JP" altLang="en-US" smtClean="0"/>
+              <a:rPr lang="ja-JP" altLang="en-US"/>
               <a:t>レベル</a:t>
             </a:r>
           </a:p>
           <a:p>
             <a:pPr lvl="4"/>
             <a:r>
-              <a:rPr lang="ja-JP" altLang="en-US" smtClean="0"/>
+              <a:rPr lang="ja-JP" altLang="en-US"/>
               <a:t>第 </a:t>
             </a:r>
             <a:r>
-              <a:rPr lang="en-US" altLang="ja-JP" smtClean="0"/>
+              <a:rPr lang="en-US" altLang="ja-JP"/>
               <a:t>5 </a:t>
             </a:r>
             <a:r>
-              <a:rPr lang="ja-JP" altLang="en-US" smtClean="0"/>
+              <a:rPr lang="ja-JP" altLang="en-US"/>
               <a:t>レベル</a:t>
             </a:r>
             <a:endParaRPr lang="en-US" dirty="0"/>
@@ -1948,7 +1947,7 @@
           <a:p>
             <a:fld id="{2F8DFF1A-26F6-734D-81A6-596D27E77CDE}" type="datetime1">
               <a:rPr kumimoji="1" lang="ja-JP" altLang="en-US" smtClean="0"/>
-              <a:t>2018/9/20</a:t>
+              <a:t>2019/5/3</a:t>
             </a:fld>
             <a:endParaRPr kumimoji="1" lang="ja-JP" altLang="en-US"/>
           </a:p>
@@ -2042,7 +2041,7 @@
           <a:lstStyle/>
           <a:p>
             <a:r>
-              <a:rPr lang="ja-JP" altLang="en-US" smtClean="0"/>
+              <a:rPr lang="ja-JP" altLang="en-US"/>
               <a:t>マスター タイトルの書式設定</a:t>
             </a:r>
             <a:endParaRPr lang="en-US" dirty="0"/>
@@ -2108,7 +2107,7 @@
           <a:p>
             <a:pPr lvl="0"/>
             <a:r>
-              <a:rPr lang="ja-JP" altLang="en-US" smtClean="0"/>
+              <a:rPr lang="ja-JP" altLang="en-US"/>
               <a:t>マスター テキストの書式設定</a:t>
             </a:r>
           </a:p>
@@ -2136,67 +2135,67 @@
           <a:p>
             <a:pPr lvl="0"/>
             <a:r>
-              <a:rPr lang="ja-JP" altLang="en-US" smtClean="0"/>
+              <a:rPr lang="ja-JP" altLang="en-US"/>
               <a:t>マスター テキストの書式設定</a:t>
             </a:r>
           </a:p>
           <a:p>
             <a:pPr lvl="1"/>
             <a:r>
-              <a:rPr lang="ja-JP" altLang="en-US" smtClean="0"/>
+              <a:rPr lang="ja-JP" altLang="en-US"/>
               <a:t>第 </a:t>
             </a:r>
             <a:r>
-              <a:rPr lang="en-US" altLang="ja-JP" smtClean="0"/>
+              <a:rPr lang="en-US" altLang="ja-JP"/>
               <a:t>2 </a:t>
             </a:r>
             <a:r>
-              <a:rPr lang="ja-JP" altLang="en-US" smtClean="0"/>
+              <a:rPr lang="ja-JP" altLang="en-US"/>
               <a:t>レベル</a:t>
             </a:r>
           </a:p>
           <a:p>
             <a:pPr lvl="2"/>
             <a:r>
-              <a:rPr lang="ja-JP" altLang="en-US" smtClean="0"/>
+              <a:rPr lang="ja-JP" altLang="en-US"/>
               <a:t>第 </a:t>
             </a:r>
             <a:r>
-              <a:rPr lang="en-US" altLang="ja-JP" smtClean="0"/>
+              <a:rPr lang="en-US" altLang="ja-JP"/>
               <a:t>3 </a:t>
             </a:r>
             <a:r>
-              <a:rPr lang="ja-JP" altLang="en-US" smtClean="0"/>
+              <a:rPr lang="ja-JP" altLang="en-US"/>
               <a:t>レベル</a:t>
             </a:r>
           </a:p>
           <a:p>
             <a:pPr lvl="3"/>
             <a:r>
-              <a:rPr lang="ja-JP" altLang="en-US" smtClean="0"/>
+              <a:rPr lang="ja-JP" altLang="en-US"/>
               <a:t>第 </a:t>
             </a:r>
             <a:r>
-              <a:rPr lang="en-US" altLang="ja-JP" smtClean="0"/>
+              <a:rPr lang="en-US" altLang="ja-JP"/>
               <a:t>4 </a:t>
             </a:r>
             <a:r>
-              <a:rPr lang="ja-JP" altLang="en-US" smtClean="0"/>
+              <a:rPr lang="ja-JP" altLang="en-US"/>
               <a:t>レベル</a:t>
             </a:r>
           </a:p>
           <a:p>
             <a:pPr lvl="4"/>
             <a:r>
-              <a:rPr lang="ja-JP" altLang="en-US" smtClean="0"/>
+              <a:rPr lang="ja-JP" altLang="en-US"/>
               <a:t>第 </a:t>
             </a:r>
             <a:r>
-              <a:rPr lang="en-US" altLang="ja-JP" smtClean="0"/>
+              <a:rPr lang="en-US" altLang="ja-JP"/>
               <a:t>5 </a:t>
             </a:r>
             <a:r>
-              <a:rPr lang="ja-JP" altLang="en-US" smtClean="0"/>
+              <a:rPr lang="ja-JP" altLang="en-US"/>
               <a:t>レベル</a:t>
             </a:r>
             <a:endParaRPr lang="en-US" dirty="0"/>
@@ -2262,7 +2261,7 @@
           <a:p>
             <a:pPr lvl="0"/>
             <a:r>
-              <a:rPr lang="ja-JP" altLang="en-US" smtClean="0"/>
+              <a:rPr lang="ja-JP" altLang="en-US"/>
               <a:t>マスター テキストの書式設定</a:t>
             </a:r>
           </a:p>
@@ -2290,67 +2289,67 @@
           <a:p>
             <a:pPr lvl="0"/>
             <a:r>
-              <a:rPr lang="ja-JP" altLang="en-US" smtClean="0"/>
+              <a:rPr lang="ja-JP" altLang="en-US"/>
               <a:t>マスター テキストの書式設定</a:t>
             </a:r>
           </a:p>
           <a:p>
             <a:pPr lvl="1"/>
             <a:r>
-              <a:rPr lang="ja-JP" altLang="en-US" smtClean="0"/>
+              <a:rPr lang="ja-JP" altLang="en-US"/>
               <a:t>第 </a:t>
             </a:r>
             <a:r>
-              <a:rPr lang="en-US" altLang="ja-JP" smtClean="0"/>
+              <a:rPr lang="en-US" altLang="ja-JP"/>
               <a:t>2 </a:t>
             </a:r>
             <a:r>
-              <a:rPr lang="ja-JP" altLang="en-US" smtClean="0"/>
+              <a:rPr lang="ja-JP" altLang="en-US"/>
               <a:t>レベル</a:t>
             </a:r>
           </a:p>
           <a:p>
             <a:pPr lvl="2"/>
             <a:r>
-              <a:rPr lang="ja-JP" altLang="en-US" smtClean="0"/>
+              <a:rPr lang="ja-JP" altLang="en-US"/>
               <a:t>第 </a:t>
             </a:r>
             <a:r>
-              <a:rPr lang="en-US" altLang="ja-JP" smtClean="0"/>
+              <a:rPr lang="en-US" altLang="ja-JP"/>
               <a:t>3 </a:t>
             </a:r>
             <a:r>
-              <a:rPr lang="ja-JP" altLang="en-US" smtClean="0"/>
+              <a:rPr lang="ja-JP" altLang="en-US"/>
               <a:t>レベル</a:t>
             </a:r>
           </a:p>
           <a:p>
             <a:pPr lvl="3"/>
             <a:r>
-              <a:rPr lang="ja-JP" altLang="en-US" smtClean="0"/>
+              <a:rPr lang="ja-JP" altLang="en-US"/>
               <a:t>第 </a:t>
             </a:r>
             <a:r>
-              <a:rPr lang="en-US" altLang="ja-JP" smtClean="0"/>
+              <a:rPr lang="en-US" altLang="ja-JP"/>
               <a:t>4 </a:t>
             </a:r>
             <a:r>
-              <a:rPr lang="ja-JP" altLang="en-US" smtClean="0"/>
+              <a:rPr lang="ja-JP" altLang="en-US"/>
               <a:t>レベル</a:t>
             </a:r>
           </a:p>
           <a:p>
             <a:pPr lvl="4"/>
             <a:r>
-              <a:rPr lang="ja-JP" altLang="en-US" smtClean="0"/>
+              <a:rPr lang="ja-JP" altLang="en-US"/>
               <a:t>第 </a:t>
             </a:r>
             <a:r>
-              <a:rPr lang="en-US" altLang="ja-JP" smtClean="0"/>
+              <a:rPr lang="en-US" altLang="ja-JP"/>
               <a:t>5 </a:t>
             </a:r>
             <a:r>
-              <a:rPr lang="ja-JP" altLang="en-US" smtClean="0"/>
+              <a:rPr lang="ja-JP" altLang="en-US"/>
               <a:t>レベル</a:t>
             </a:r>
             <a:endParaRPr lang="en-US" dirty="0"/>
@@ -2374,7 +2373,7 @@
           <a:p>
             <a:fld id="{DA4D6ED2-2E77-3346-9932-196F8E0DDE9D}" type="datetime1">
               <a:rPr kumimoji="1" lang="ja-JP" altLang="en-US" smtClean="0"/>
-              <a:t>2018/9/20</a:t>
+              <a:t>2019/5/3</a:t>
             </a:fld>
             <a:endParaRPr kumimoji="1" lang="ja-JP" altLang="en-US"/>
           </a:p>
@@ -2463,7 +2462,7 @@
           <a:lstStyle/>
           <a:p>
             <a:r>
-              <a:rPr lang="ja-JP" altLang="en-US" smtClean="0"/>
+              <a:rPr lang="ja-JP" altLang="en-US"/>
               <a:t>マスター タイトルの書式設定</a:t>
             </a:r>
             <a:endParaRPr lang="en-US" dirty="0"/>
@@ -2487,7 +2486,7 @@
           <a:p>
             <a:fld id="{E0D62E53-0DE6-954C-A642-97CC889F03F2}" type="datetime1">
               <a:rPr kumimoji="1" lang="ja-JP" altLang="en-US" smtClean="0"/>
-              <a:t>2018/9/20</a:t>
+              <a:t>2019/5/3</a:t>
             </a:fld>
             <a:endParaRPr kumimoji="1" lang="ja-JP" altLang="en-US"/>
           </a:p>
@@ -2577,7 +2576,7 @@
           <a:p>
             <a:fld id="{4C76B436-8A19-1A40-8CF4-6DE75F461D19}" type="datetime1">
               <a:rPr kumimoji="1" lang="ja-JP" altLang="en-US" smtClean="0"/>
-              <a:t>2018/9/20</a:t>
+              <a:t>2019/5/3</a:t>
             </a:fld>
             <a:endParaRPr kumimoji="1" lang="ja-JP" altLang="en-US"/>
           </a:p>
@@ -2675,7 +2674,7 @@
           </a:lstStyle>
           <a:p>
             <a:r>
-              <a:rPr lang="ja-JP" altLang="en-US" smtClean="0"/>
+              <a:rPr lang="ja-JP" altLang="en-US"/>
               <a:t>マスター タイトルの書式設定</a:t>
             </a:r>
             <a:endParaRPr lang="en-US" dirty="0"/>
@@ -2732,67 +2731,67 @@
           <a:p>
             <a:pPr lvl="0"/>
             <a:r>
-              <a:rPr lang="ja-JP" altLang="en-US" smtClean="0"/>
+              <a:rPr lang="ja-JP" altLang="en-US"/>
               <a:t>マスター テキストの書式設定</a:t>
             </a:r>
           </a:p>
           <a:p>
             <a:pPr lvl="1"/>
             <a:r>
-              <a:rPr lang="ja-JP" altLang="en-US" smtClean="0"/>
+              <a:rPr lang="ja-JP" altLang="en-US"/>
               <a:t>第 </a:t>
             </a:r>
             <a:r>
-              <a:rPr lang="en-US" altLang="ja-JP" smtClean="0"/>
+              <a:rPr lang="en-US" altLang="ja-JP"/>
               <a:t>2 </a:t>
             </a:r>
             <a:r>
-              <a:rPr lang="ja-JP" altLang="en-US" smtClean="0"/>
+              <a:rPr lang="ja-JP" altLang="en-US"/>
               <a:t>レベル</a:t>
             </a:r>
           </a:p>
           <a:p>
             <a:pPr lvl="2"/>
             <a:r>
-              <a:rPr lang="ja-JP" altLang="en-US" smtClean="0"/>
+              <a:rPr lang="ja-JP" altLang="en-US"/>
               <a:t>第 </a:t>
             </a:r>
             <a:r>
-              <a:rPr lang="en-US" altLang="ja-JP" smtClean="0"/>
+              <a:rPr lang="en-US" altLang="ja-JP"/>
               <a:t>3 </a:t>
             </a:r>
             <a:r>
-              <a:rPr lang="ja-JP" altLang="en-US" smtClean="0"/>
+              <a:rPr lang="ja-JP" altLang="en-US"/>
               <a:t>レベル</a:t>
             </a:r>
           </a:p>
           <a:p>
             <a:pPr lvl="3"/>
             <a:r>
-              <a:rPr lang="ja-JP" altLang="en-US" smtClean="0"/>
+              <a:rPr lang="ja-JP" altLang="en-US"/>
               <a:t>第 </a:t>
             </a:r>
             <a:r>
-              <a:rPr lang="en-US" altLang="ja-JP" smtClean="0"/>
+              <a:rPr lang="en-US" altLang="ja-JP"/>
               <a:t>4 </a:t>
             </a:r>
             <a:r>
-              <a:rPr lang="ja-JP" altLang="en-US" smtClean="0"/>
+              <a:rPr lang="ja-JP" altLang="en-US"/>
               <a:t>レベル</a:t>
             </a:r>
           </a:p>
           <a:p>
             <a:pPr lvl="4"/>
             <a:r>
-              <a:rPr lang="ja-JP" altLang="en-US" smtClean="0"/>
+              <a:rPr lang="ja-JP" altLang="en-US"/>
               <a:t>第 </a:t>
             </a:r>
             <a:r>
-              <a:rPr lang="en-US" altLang="ja-JP" smtClean="0"/>
+              <a:rPr lang="en-US" altLang="ja-JP"/>
               <a:t>5 </a:t>
             </a:r>
             <a:r>
-              <a:rPr lang="ja-JP" altLang="en-US" smtClean="0"/>
+              <a:rPr lang="ja-JP" altLang="en-US"/>
               <a:t>レベル</a:t>
             </a:r>
             <a:endParaRPr lang="en-US" dirty="0"/>
@@ -2858,7 +2857,7 @@
           <a:p>
             <a:pPr lvl="0"/>
             <a:r>
-              <a:rPr lang="ja-JP" altLang="en-US" smtClean="0"/>
+              <a:rPr lang="ja-JP" altLang="en-US"/>
               <a:t>マスター テキストの書式設定</a:t>
             </a:r>
           </a:p>
@@ -2881,7 +2880,7 @@
           <a:p>
             <a:fld id="{50F977A8-A6EB-6544-A402-5123A38A5E0F}" type="datetime1">
               <a:rPr kumimoji="1" lang="ja-JP" altLang="en-US" smtClean="0"/>
-              <a:t>2018/9/20</a:t>
+              <a:t>2019/5/3</a:t>
             </a:fld>
             <a:endParaRPr kumimoji="1" lang="ja-JP" altLang="en-US"/>
           </a:p>
@@ -2979,7 +2978,7 @@
           </a:lstStyle>
           <a:p>
             <a:r>
-              <a:rPr lang="ja-JP" altLang="en-US" smtClean="0"/>
+              <a:rPr lang="ja-JP" altLang="en-US"/>
               <a:t>マスター タイトルの書式設定</a:t>
             </a:r>
             <a:endParaRPr lang="en-US" dirty="0"/>
@@ -3044,7 +3043,7 @@
           </a:lstStyle>
           <a:p>
             <a:r>
-              <a:rPr lang="ja-JP" altLang="en-US" smtClean="0"/>
+              <a:rPr lang="ja-JP" altLang="en-US"/>
               <a:t>プレースホルダーまでドラッグするかアイコンをクリックして図を追加</a:t>
             </a:r>
             <a:endParaRPr lang="en-US" dirty="0"/>
@@ -3110,7 +3109,7 @@
           <a:p>
             <a:pPr lvl="0"/>
             <a:r>
-              <a:rPr lang="ja-JP" altLang="en-US" smtClean="0"/>
+              <a:rPr lang="ja-JP" altLang="en-US"/>
               <a:t>マスター テキストの書式設定</a:t>
             </a:r>
           </a:p>
@@ -3133,7 +3132,7 @@
           <a:p>
             <a:fld id="{AC63A33F-D5AB-5D4B-9CED-7FFE32473911}" type="datetime1">
               <a:rPr kumimoji="1" lang="ja-JP" altLang="en-US" smtClean="0"/>
-              <a:t>2018/9/20</a:t>
+              <a:t>2019/5/3</a:t>
             </a:fld>
             <a:endParaRPr kumimoji="1" lang="ja-JP" altLang="en-US"/>
           </a:p>
@@ -3237,7 +3236,7 @@
           <a:lstStyle/>
           <a:p>
             <a:r>
-              <a:rPr lang="ja-JP" altLang="en-US" smtClean="0"/>
+              <a:rPr lang="ja-JP" altLang="en-US"/>
               <a:t>マスター タイトルの書式設定</a:t>
             </a:r>
             <a:endParaRPr lang="en-US" dirty="0"/>
@@ -3271,67 +3270,67 @@
           <a:p>
             <a:pPr lvl="0"/>
             <a:r>
-              <a:rPr lang="ja-JP" altLang="en-US" smtClean="0"/>
+              <a:rPr lang="ja-JP" altLang="en-US"/>
               <a:t>マスター テキストの書式設定</a:t>
             </a:r>
           </a:p>
           <a:p>
             <a:pPr lvl="1"/>
             <a:r>
-              <a:rPr lang="ja-JP" altLang="en-US" smtClean="0"/>
+              <a:rPr lang="ja-JP" altLang="en-US"/>
               <a:t>第 </a:t>
             </a:r>
             <a:r>
-              <a:rPr lang="en-US" altLang="ja-JP" smtClean="0"/>
+              <a:rPr lang="en-US" altLang="ja-JP"/>
               <a:t>2 </a:t>
             </a:r>
             <a:r>
-              <a:rPr lang="ja-JP" altLang="en-US" smtClean="0"/>
+              <a:rPr lang="ja-JP" altLang="en-US"/>
               <a:t>レベル</a:t>
             </a:r>
           </a:p>
           <a:p>
             <a:pPr lvl="2"/>
             <a:r>
-              <a:rPr lang="ja-JP" altLang="en-US" smtClean="0"/>
+              <a:rPr lang="ja-JP" altLang="en-US"/>
               <a:t>第 </a:t>
             </a:r>
             <a:r>
-              <a:rPr lang="en-US" altLang="ja-JP" smtClean="0"/>
+              <a:rPr lang="en-US" altLang="ja-JP"/>
               <a:t>3 </a:t>
             </a:r>
             <a:r>
-              <a:rPr lang="ja-JP" altLang="en-US" smtClean="0"/>
+              <a:rPr lang="ja-JP" altLang="en-US"/>
               <a:t>レベル</a:t>
             </a:r>
           </a:p>
           <a:p>
             <a:pPr lvl="3"/>
             <a:r>
-              <a:rPr lang="ja-JP" altLang="en-US" smtClean="0"/>
+              <a:rPr lang="ja-JP" altLang="en-US"/>
               <a:t>第 </a:t>
             </a:r>
             <a:r>
-              <a:rPr lang="en-US" altLang="ja-JP" smtClean="0"/>
+              <a:rPr lang="en-US" altLang="ja-JP"/>
               <a:t>4 </a:t>
             </a:r>
             <a:r>
-              <a:rPr lang="ja-JP" altLang="en-US" smtClean="0"/>
+              <a:rPr lang="ja-JP" altLang="en-US"/>
               <a:t>レベル</a:t>
             </a:r>
           </a:p>
           <a:p>
             <a:pPr lvl="4"/>
             <a:r>
-              <a:rPr lang="ja-JP" altLang="en-US" smtClean="0"/>
+              <a:rPr lang="ja-JP" altLang="en-US"/>
               <a:t>第 </a:t>
             </a:r>
             <a:r>
-              <a:rPr lang="en-US" altLang="ja-JP" smtClean="0"/>
+              <a:rPr lang="en-US" altLang="ja-JP"/>
               <a:t>5 </a:t>
             </a:r>
             <a:r>
-              <a:rPr lang="ja-JP" altLang="en-US" smtClean="0"/>
+              <a:rPr lang="ja-JP" altLang="en-US"/>
               <a:t>レベル</a:t>
             </a:r>
             <a:endParaRPr lang="en-US" dirty="0"/>
@@ -3373,7 +3372,7 @@
           <a:p>
             <a:fld id="{533D1301-D078-CF4D-9B69-E985276E2D1F}" type="datetime1">
               <a:rPr kumimoji="1" lang="ja-JP" altLang="en-US" smtClean="0"/>
-              <a:t>2018/9/20</a:t>
+              <a:t>2019/5/3</a:t>
             </a:fld>
             <a:endParaRPr kumimoji="1" lang="ja-JP" altLang="en-US"/>
           </a:p>
@@ -3802,19 +3801,19 @@
           <a:lstStyle/>
           <a:p>
             <a:r>
-              <a:rPr kumimoji="1" lang="en-US" altLang="ja-JP" sz="4400" dirty="0" smtClean="0"/>
+              <a:rPr kumimoji="1" lang="en-US" altLang="ja-JP" sz="4400" dirty="0"/>
               <a:t>How to Install </a:t>
             </a:r>
             <a:r>
-              <a:rPr kumimoji="1" lang="en-US" altLang="ja-JP" sz="4400" dirty="0" err="1" smtClean="0"/>
+              <a:rPr kumimoji="1" lang="en-US" altLang="ja-JP" sz="4400" dirty="0" err="1"/>
               <a:t>JSindo</a:t>
             </a:r>
-            <a:endParaRPr kumimoji="1" lang="en-US" altLang="ja-JP" sz="4400" dirty="0" smtClean="0"/>
+            <a:endParaRPr kumimoji="1" lang="en-US" altLang="ja-JP" sz="4400" dirty="0"/>
           </a:p>
           <a:p>
             <a:pPr algn="ctr"/>
             <a:r>
-              <a:rPr lang="en-US" altLang="ja-JP" sz="4400" dirty="0" smtClean="0"/>
+              <a:rPr lang="en-US" altLang="ja-JP" sz="4400" dirty="0"/>
               <a:t>for Windows</a:t>
             </a:r>
             <a:endParaRPr kumimoji="1" lang="ja-JP" altLang="en-US" sz="4400" dirty="0"/>
@@ -3829,8 +3828,8 @@
         </p:nvSpPr>
         <p:spPr>
           <a:xfrm>
-            <a:off x="2409225" y="4020685"/>
-            <a:ext cx="4070923" cy="1200329"/>
+            <a:off x="2397781" y="4020685"/>
+            <a:ext cx="4093813" cy="1200329"/>
           </a:xfrm>
           <a:prstGeom prst="rect">
             <a:avLst/>
@@ -3845,15 +3844,15 @@
           <a:p>
             <a:pPr algn="ctr"/>
             <a:r>
-              <a:rPr lang="en-US" altLang="ja-JP" dirty="0" smtClean="0"/>
+              <a:rPr lang="en-US" altLang="ja-JP" dirty="0"/>
               <a:t>Theoretical Molecular Science Laboratory</a:t>
             </a:r>
           </a:p>
           <a:p>
             <a:pPr algn="ctr"/>
             <a:r>
-              <a:rPr kumimoji="1" lang="en-US" altLang="ja-JP" dirty="0" smtClean="0"/>
-              <a:t>RIKEN Pioneering Research Cluster</a:t>
+              <a:rPr kumimoji="1" lang="en-US" altLang="ja-JP" dirty="0"/>
+              <a:t>RIKEN Cluster for Pioneering Research</a:t>
             </a:r>
           </a:p>
           <a:p>
@@ -3863,8 +3862,8 @@
           <a:p>
             <a:pPr algn="ctr"/>
             <a:r>
-              <a:rPr kumimoji="1" lang="en-US" altLang="ja-JP" smtClean="0"/>
-              <a:t>2018/09/20</a:t>
+              <a:rPr kumimoji="1" lang="en-US" altLang="ja-JP" dirty="0"/>
+              <a:t>2019/05/14</a:t>
             </a:r>
             <a:endParaRPr kumimoji="1" lang="ja-JP" altLang="en-US" dirty="0"/>
           </a:p>
@@ -3894,17 +3893,17 @@
           <a:p>
             <a:pPr algn="ctr"/>
             <a:r>
-              <a:rPr kumimoji="1" lang="en-US" altLang="ja-JP" dirty="0" smtClean="0"/>
+              <a:rPr kumimoji="1" lang="en-US" altLang="ja-JP" dirty="0"/>
               <a:t>Kiyoshi Yagi</a:t>
             </a:r>
           </a:p>
           <a:p>
             <a:pPr algn="ctr"/>
             <a:r>
-              <a:rPr kumimoji="1" lang="en-US" altLang="ja-JP" dirty="0" err="1" smtClean="0"/>
+              <a:rPr kumimoji="1" lang="en-US" altLang="ja-JP" dirty="0" err="1"/>
               <a:t>kiyoshi.yagi@riken.jp</a:t>
             </a:r>
-            <a:endParaRPr kumimoji="1" lang="en-US" altLang="ja-JP" dirty="0" smtClean="0"/>
+            <a:endParaRPr kumimoji="1" lang="en-US" altLang="ja-JP" dirty="0"/>
           </a:p>
         </p:txBody>
       </p:sp>
@@ -3954,11 +3953,11 @@
           <a:lstStyle/>
           <a:p>
             <a:r>
-              <a:rPr kumimoji="1" lang="en-US" altLang="ja-JP" dirty="0" smtClean="0"/>
+              <a:rPr kumimoji="1" lang="en-US" altLang="ja-JP" dirty="0"/>
               <a:t>5. Download and test </a:t>
             </a:r>
             <a:r>
-              <a:rPr kumimoji="1" lang="en-US" altLang="ja-JP" dirty="0" err="1" smtClean="0"/>
+              <a:rPr kumimoji="1" lang="en-US" altLang="ja-JP" dirty="0" err="1"/>
               <a:t>JSindo</a:t>
             </a:r>
             <a:endParaRPr kumimoji="1" lang="ja-JP" altLang="en-US" dirty="0"/>
@@ -3974,7 +3973,7 @@
         <p:spPr>
           <a:xfrm>
             <a:off x="322815" y="1750209"/>
-            <a:ext cx="5077859" cy="4247317"/>
+            <a:ext cx="5077859" cy="4524315"/>
           </a:xfrm>
           <a:prstGeom prst="rect">
             <a:avLst/>
@@ -3988,61 +3987,41 @@
           <a:lstStyle/>
           <a:p>
             <a:r>
-              <a:rPr lang="en-US" altLang="ja-JP" dirty="0" smtClean="0"/>
-              <a:t>Now, double click JSindo-4.0.jar. You should see a control panel of </a:t>
-            </a:r>
-            <a:r>
-              <a:rPr lang="en-US" altLang="ja-JP" dirty="0" err="1" smtClean="0"/>
+              <a:rPr lang="en-US" altLang="ja-JP" dirty="0"/>
+              <a:t>Double click to unzip the file. Then, find sindo-4.0/jar/JSindo-4.0.jar. Double click the jar file, and you should see a control panel of </a:t>
+            </a:r>
+            <a:r>
+              <a:rPr lang="en-US" altLang="ja-JP" dirty="0" err="1"/>
               <a:t>JSindo</a:t>
             </a:r>
             <a:r>
-              <a:rPr lang="en-US" altLang="ja-JP" dirty="0" smtClean="0"/>
-              <a:t>. If </a:t>
-            </a:r>
-            <a:r>
               <a:rPr lang="en-US" altLang="ja-JP" dirty="0"/>
-              <a:t>you don’t see </a:t>
-            </a:r>
-            <a:r>
-              <a:rPr lang="en-US" altLang="ja-JP" dirty="0" smtClean="0"/>
-              <a:t>the </a:t>
-            </a:r>
+              <a:t>. If you don’t see the panel, review the installation of Java. </a:t>
+            </a:r>
+          </a:p>
+          <a:p>
+            <a:endParaRPr lang="en-US" altLang="ja-JP" dirty="0"/>
+          </a:p>
+          <a:p>
             <a:r>
               <a:rPr lang="en-US" altLang="ja-JP" dirty="0"/>
-              <a:t>panel, review the installation of </a:t>
-            </a:r>
-            <a:r>
-              <a:rPr lang="en-US" altLang="ja-JP" dirty="0" smtClean="0"/>
-              <a:t>Java. </a:t>
-            </a:r>
-          </a:p>
-          <a:p>
-            <a:endParaRPr lang="en-US" altLang="ja-JP" dirty="0" smtClean="0"/>
-          </a:p>
-          <a:p>
-            <a:r>
-              <a:rPr lang="en-US" altLang="ja-JP" dirty="0" smtClean="0"/>
-              <a:t>Let’s open “sample/h2co.minfo” </a:t>
+              <a:t>Let’s test the program. Sample files are included in sindo-4.0/doc/</a:t>
+            </a:r>
+            <a:r>
+              <a:rPr lang="en-US" altLang="ja-JP" dirty="0" err="1"/>
+              <a:t>JSindo</a:t>
             </a:r>
             <a:r>
               <a:rPr lang="en-US" altLang="ja-JP" dirty="0"/>
-              <a:t>included in </a:t>
-            </a:r>
-            <a:r>
-              <a:rPr lang="en-US" altLang="ja-JP" dirty="0" err="1" smtClean="0"/>
-              <a:t>sample.zip</a:t>
-            </a:r>
-            <a:r>
-              <a:rPr lang="en-US" altLang="ja-JP" dirty="0" smtClean="0"/>
-              <a:t>. Double click </a:t>
-            </a:r>
-            <a:r>
-              <a:rPr lang="en-US" altLang="ja-JP" dirty="0" err="1" smtClean="0"/>
-              <a:t>sample.zip</a:t>
-            </a:r>
-            <a:r>
-              <a:rPr lang="en-US" altLang="ja-JP" dirty="0" smtClean="0"/>
-              <a:t> to unzip the file.</a:t>
+              <a:t>/</a:t>
+            </a:r>
+            <a:r>
+              <a:rPr lang="en-US" altLang="ja-JP" dirty="0" err="1"/>
+              <a:t>sample_JSindo</a:t>
+            </a:r>
+            <a:r>
+              <a:rPr lang="en-US" altLang="ja-JP" dirty="0"/>
+              <a:t>.</a:t>
             </a:r>
           </a:p>
           <a:p>
@@ -4050,28 +4029,20 @@
           </a:p>
           <a:p>
             <a:r>
-              <a:rPr lang="en-US" altLang="ja-JP" dirty="0" smtClean="0"/>
+              <a:rPr lang="en-US" altLang="ja-JP" dirty="0"/>
               <a:t>In </a:t>
             </a:r>
             <a:r>
-              <a:rPr lang="en-US" altLang="ja-JP" dirty="0" err="1" smtClean="0"/>
+              <a:rPr lang="en-US" altLang="ja-JP" dirty="0" err="1"/>
               <a:t>JSindo</a:t>
             </a:r>
             <a:r>
-              <a:rPr lang="en-US" altLang="ja-JP" dirty="0" smtClean="0"/>
-              <a:t> control panel, click File -&gt; Open, choose </a:t>
-            </a:r>
-            <a:r>
               <a:rPr lang="en-US" altLang="ja-JP" dirty="0"/>
-              <a:t>“h2co.minfo</a:t>
-            </a:r>
-            <a:r>
-              <a:rPr lang="en-US" altLang="ja-JP" dirty="0" smtClean="0"/>
-              <a:t>”, and click Open. If you see formaldehyde, you’re done with the first step!</a:t>
-            </a:r>
-          </a:p>
-          <a:p>
-            <a:endParaRPr lang="en-US" altLang="ja-JP" dirty="0" smtClean="0"/>
+              <a:t> control panel, click File -&gt; Open, choose “h2co.minfo”, and click Open. If you see formaldehyde, you’re done with the first step!</a:t>
+            </a:r>
+          </a:p>
+          <a:p>
+            <a:endParaRPr lang="en-US" altLang="ja-JP" dirty="0"/>
           </a:p>
           <a:p>
             <a:r>
@@ -4084,7 +4055,7 @@
             </a:r>
             <a:r>
               <a:rPr lang="en-US" altLang="ja-JP" dirty="0"/>
-              <a:t>/Java3D has a problem. Double check if the right </a:t>
+              <a:t>/ Java3D has a problem. Double check if the right </a:t>
             </a:r>
             <a:r>
               <a:rPr lang="en-US" altLang="ja-JP" dirty="0" err="1"/>
@@ -4217,7 +4188,7 @@
             <a:lstStyle/>
             <a:p>
               <a:r>
-                <a:rPr kumimoji="1" lang="en-US" altLang="ja-JP" dirty="0" smtClean="0"/>
+                <a:rPr kumimoji="1" lang="en-US" altLang="ja-JP" dirty="0"/>
                 <a:t>Open</a:t>
               </a:r>
               <a:endParaRPr kumimoji="1" lang="ja-JP" altLang="en-US" dirty="0"/>
@@ -4364,7 +4335,7 @@
             <a:lstStyle/>
             <a:p>
               <a:r>
-                <a:rPr kumimoji="1" lang="en-US" altLang="ja-JP" dirty="0" smtClean="0"/>
+                <a:rPr kumimoji="1" lang="en-US" altLang="ja-JP" dirty="0"/>
                 <a:t>click to choose</a:t>
               </a:r>
               <a:endParaRPr kumimoji="1" lang="ja-JP" altLang="en-US" dirty="0"/>
@@ -4499,24 +4470,8 @@
           <a:lstStyle/>
           <a:p>
             <a:r>
-              <a:rPr lang="en-US" altLang="ja-JP" dirty="0" smtClean="0"/>
-              <a:t>Download JSindo-4.x.jar and </a:t>
-            </a:r>
-            <a:r>
-              <a:rPr lang="en-US" altLang="ja-JP" dirty="0" err="1" smtClean="0"/>
-              <a:t>sample.zip</a:t>
-            </a:r>
-            <a:r>
-              <a:rPr lang="en-US" altLang="ja-JP" dirty="0" smtClean="0"/>
-              <a:t> (or </a:t>
-            </a:r>
-            <a:r>
-              <a:rPr lang="en-US" altLang="ja-JP" dirty="0" err="1" smtClean="0"/>
-              <a:t>sample.tar.gz</a:t>
-            </a:r>
-            <a:r>
-              <a:rPr lang="en-US" altLang="ja-JP" dirty="0" smtClean="0"/>
-              <a:t>) from our website:</a:t>
+              <a:rPr lang="en-US" altLang="ja-JP" dirty="0"/>
+              <a:t>Download sindo-4.0.zip from our website:</a:t>
             </a:r>
           </a:p>
           <a:p>
@@ -4526,39 +4481,39 @@
               <a:t>http://</a:t>
             </a:r>
             <a:r>
-              <a:rPr lang="en-US" altLang="ja-JP" dirty="0" err="1" smtClean="0"/>
+              <a:rPr lang="en-US" altLang="ja-JP" dirty="0" err="1"/>
               <a:t>www.riken.jp</a:t>
             </a:r>
             <a:r>
-              <a:rPr lang="en-US" altLang="ja-JP" dirty="0" smtClean="0"/>
+              <a:rPr lang="en-US" altLang="ja-JP" dirty="0"/>
               <a:t>/TMS2012/</a:t>
             </a:r>
             <a:r>
-              <a:rPr lang="en-US" altLang="ja-JP" dirty="0" err="1" smtClean="0"/>
+              <a:rPr lang="en-US" altLang="ja-JP" dirty="0" err="1"/>
               <a:t>tms</a:t>
             </a:r>
             <a:r>
-              <a:rPr lang="en-US" altLang="ja-JP" dirty="0" smtClean="0"/>
+              <a:rPr lang="en-US" altLang="ja-JP" dirty="0"/>
               <a:t>/</a:t>
             </a:r>
             <a:r>
-              <a:rPr lang="en-US" altLang="ja-JP" dirty="0" err="1" smtClean="0"/>
+              <a:rPr lang="en-US" altLang="ja-JP" dirty="0" err="1"/>
               <a:t>en</a:t>
             </a:r>
             <a:r>
-              <a:rPr lang="en-US" altLang="ja-JP" dirty="0" smtClean="0"/>
+              <a:rPr lang="en-US" altLang="ja-JP" dirty="0"/>
               <a:t>/research/software/</a:t>
             </a:r>
             <a:r>
-              <a:rPr lang="en-US" altLang="ja-JP" dirty="0" err="1" smtClean="0"/>
+              <a:rPr lang="en-US" altLang="ja-JP" dirty="0" err="1"/>
               <a:t>sindo</a:t>
             </a:r>
             <a:r>
-              <a:rPr lang="en-US" altLang="ja-JP" dirty="0" smtClean="0"/>
+              <a:rPr lang="en-US" altLang="ja-JP" dirty="0"/>
               <a:t>/</a:t>
             </a:r>
             <a:r>
-              <a:rPr lang="en-US" altLang="ja-JP" dirty="0" err="1" smtClean="0"/>
+              <a:rPr lang="en-US" altLang="ja-JP" dirty="0" err="1"/>
               <a:t>index.html</a:t>
             </a:r>
             <a:endParaRPr lang="en-US" altLang="ja-JP" dirty="0"/>
@@ -4703,7 +4658,7 @@
           <a:lstStyle/>
           <a:p>
             <a:r>
-              <a:rPr lang="en-US" altLang="ja-JP" dirty="0" smtClean="0"/>
+              <a:rPr lang="en-US" altLang="ja-JP" dirty="0"/>
               <a:t>Harmonic Analysis</a:t>
             </a:r>
             <a:endParaRPr kumimoji="1" lang="ja-JP" altLang="en-US" dirty="0"/>
@@ -4733,71 +4688,54 @@
           <a:lstStyle/>
           <a:p>
             <a:r>
-              <a:rPr lang="en-US" altLang="ja-JP" dirty="0" smtClean="0"/>
+              <a:rPr lang="en-US" altLang="ja-JP" dirty="0"/>
               <a:t>Finally, </a:t>
             </a:r>
             <a:r>
-              <a:rPr lang="en-US" altLang="ja-JP" dirty="0" err="1" smtClean="0"/>
+              <a:rPr lang="en-US" altLang="ja-JP" dirty="0" err="1"/>
               <a:t>goto</a:t>
             </a:r>
             <a:r>
-              <a:rPr lang="en-US" altLang="ja-JP" dirty="0" smtClean="0"/>
+              <a:rPr lang="en-US" altLang="ja-JP" dirty="0"/>
               <a:t> Tools -&gt; Harmonic Analysis. This should create a panel of “Normal modes”. </a:t>
             </a:r>
           </a:p>
           <a:p>
-            <a:endParaRPr lang="en-US" altLang="ja-JP" dirty="0" smtClean="0"/>
+            <a:endParaRPr lang="en-US" altLang="ja-JP" dirty="0"/>
           </a:p>
           <a:p>
             <a:pPr lvl="1"/>
             <a:r>
-              <a:rPr lang="en-US" altLang="ja-JP" dirty="0" smtClean="0"/>
-              <a:t>If </a:t>
-            </a:r>
-            <a:r>
               <a:rPr lang="en-US" altLang="ja-JP" dirty="0"/>
-              <a:t>you don’t see </a:t>
-            </a:r>
-            <a:r>
-              <a:rPr lang="en-US" altLang="ja-JP" dirty="0" smtClean="0"/>
-              <a:t>this </a:t>
+              <a:t>If you don’t see this panel, JAMA isn’t working. Make sure the </a:t>
+            </a:r>
+            <a:r>
+              <a:rPr lang="en-US" altLang="ja-JP" dirty="0" err="1"/>
+              <a:t>jarfile</a:t>
             </a:r>
             <a:r>
               <a:rPr lang="en-US" altLang="ja-JP" dirty="0"/>
-              <a:t>panel, </a:t>
-            </a:r>
-            <a:r>
-              <a:rPr lang="en-US" altLang="ja-JP" dirty="0" smtClean="0"/>
-              <a:t>JAMA isn’t working. Make sure the </a:t>
-            </a:r>
-            <a:r>
-              <a:rPr lang="en-US" altLang="ja-JP" dirty="0" err="1" smtClean="0"/>
-              <a:t>jarfile</a:t>
-            </a:r>
-            <a:r>
-              <a:rPr lang="en-US" altLang="ja-JP" dirty="0" smtClean="0"/>
               <a:t> of JAMA is copied to the extension folder.</a:t>
             </a:r>
+          </a:p>
+          <a:p>
             <a:endParaRPr lang="en-US" altLang="ja-JP" dirty="0"/>
           </a:p>
           <a:p>
-            <a:endParaRPr lang="en-US" altLang="ja-JP" dirty="0" smtClean="0"/>
-          </a:p>
-          <a:p>
-            <a:r>
-              <a:rPr lang="en-US" altLang="ja-JP" dirty="0" smtClean="0"/>
+            <a:r>
+              <a:rPr lang="en-US" altLang="ja-JP" dirty="0"/>
               <a:t>If the panel appears, you’re all set! Congratulations!</a:t>
             </a:r>
           </a:p>
           <a:p>
-            <a:endParaRPr lang="en-US" altLang="ja-JP" dirty="0" smtClean="0"/>
-          </a:p>
-          <a:p>
             <a:endParaRPr lang="en-US" altLang="ja-JP" dirty="0"/>
           </a:p>
           <a:p>
-            <a:r>
-              <a:rPr lang="en-US" altLang="ja-JP" dirty="0" smtClean="0"/>
+            <a:endParaRPr lang="en-US" altLang="ja-JP" dirty="0"/>
+          </a:p>
+          <a:p>
+            <a:r>
+              <a:rPr lang="en-US" altLang="ja-JP" dirty="0"/>
               <a:t>Check on ”show vibrational coordinates”, and choose a mode you want to see. Vibrational motion will be indicated by arrows. You can “Invert the arrows” by a check box, and change the magnitude using a slider. </a:t>
             </a:r>
           </a:p>
@@ -4805,19 +4743,19 @@
             <a:endParaRPr lang="en-US" altLang="ja-JP" dirty="0"/>
           </a:p>
           <a:p>
-            <a:endParaRPr lang="en-US" altLang="ja-JP" dirty="0" smtClean="0"/>
-          </a:p>
-          <a:p>
-            <a:r>
-              <a:rPr lang="en-US" altLang="ja-JP" dirty="0" smtClean="0"/>
+            <a:endParaRPr lang="en-US" altLang="ja-JP" dirty="0"/>
+          </a:p>
+          <a:p>
+            <a:r>
+              <a:rPr lang="en-US" altLang="ja-JP" dirty="0"/>
               <a:t>Thanks for using </a:t>
             </a:r>
             <a:r>
-              <a:rPr lang="en-US" altLang="ja-JP" dirty="0" err="1" smtClean="0"/>
+              <a:rPr lang="en-US" altLang="ja-JP" dirty="0" err="1"/>
               <a:t>JSindo</a:t>
             </a:r>
             <a:r>
-              <a:rPr lang="en-US" altLang="ja-JP" dirty="0" smtClean="0"/>
+              <a:rPr lang="en-US" altLang="ja-JP" dirty="0"/>
               <a:t>!</a:t>
             </a:r>
           </a:p>
@@ -4828,7 +4766,7 @@
             </a:r>
           </a:p>
           <a:p>
-            <a:endParaRPr lang="en-US" altLang="ja-JP" dirty="0" smtClean="0"/>
+            <a:endParaRPr lang="en-US" altLang="ja-JP" dirty="0"/>
           </a:p>
         </p:txBody>
       </p:sp>
@@ -4933,13 +4871,6 @@
   <p:clrMapOvr>
     <a:masterClrMapping/>
   </p:clrMapOvr>
-  <p:timing>
-    <p:tnLst>
-      <p:par>
-        <p:cTn id="1" dur="indefinite" restart="never" nodeType="tmRoot"/>
-      </p:par>
-    </p:tnLst>
-  </p:timing>
 </p:sld>
 </file>
 
@@ -4976,7 +4907,7 @@
           <a:lstStyle/>
           <a:p>
             <a:r>
-              <a:rPr kumimoji="1" lang="en-US" altLang="ja-JP" dirty="0" smtClean="0"/>
+              <a:rPr kumimoji="1" lang="en-US" altLang="ja-JP" dirty="0"/>
               <a:t>1. Install Java</a:t>
             </a:r>
             <a:endParaRPr kumimoji="1" lang="ja-JP" altLang="en-US" dirty="0"/>
@@ -5029,7 +4960,7 @@
           <a:lstStyle/>
           <a:p>
             <a:r>
-              <a:rPr kumimoji="1" lang="en-US" altLang="ja-JP" dirty="0" smtClean="0">
+              <a:rPr kumimoji="1" lang="en-US" altLang="ja-JP" dirty="0">
                 <a:solidFill>
                   <a:srgbClr val="00B0F0"/>
                 </a:solidFill>
@@ -5037,19 +4968,19 @@
               <a:t>STEP1</a:t>
             </a:r>
             <a:r>
-              <a:rPr kumimoji="1" lang="en-US" altLang="ja-JP" dirty="0" smtClean="0"/>
+              <a:rPr kumimoji="1" lang="en-US" altLang="ja-JP" dirty="0"/>
               <a:t>: Let’s check if your </a:t>
             </a:r>
             <a:r>
-              <a:rPr lang="en-US" altLang="ja-JP" dirty="0" smtClean="0"/>
+              <a:rPr lang="en-US" altLang="ja-JP" dirty="0"/>
               <a:t>PC</a:t>
             </a:r>
             <a:r>
-              <a:rPr kumimoji="1" lang="en-US" altLang="ja-JP" dirty="0" smtClean="0"/>
+              <a:rPr kumimoji="1" lang="en-US" altLang="ja-JP" dirty="0"/>
               <a:t> has Java installed or not, and </a:t>
             </a:r>
             <a:r>
-              <a:rPr lang="en-US" altLang="ja-JP" dirty="0" smtClean="0"/>
+              <a:rPr lang="en-US" altLang="ja-JP" dirty="0"/>
               <a:t>the version of Java if you have. </a:t>
             </a:r>
             <a:endParaRPr kumimoji="1" lang="ja-JP" altLang="en-US" dirty="0"/>
@@ -5080,13 +5011,13 @@
           <a:p>
             <a:pPr algn="just"/>
             <a:r>
-              <a:rPr lang="en-US" altLang="ja-JP" dirty="0" smtClean="0"/>
+              <a:rPr lang="en-US" altLang="ja-JP" dirty="0"/>
               <a:t>Open the “Windows Settings”, click “Apps”, and search for “java” in Apps &amp; features.</a:t>
             </a:r>
           </a:p>
           <a:p>
             <a:pPr algn="just"/>
-            <a:endParaRPr lang="en-US" altLang="ja-JP" dirty="0" smtClean="0"/>
+            <a:endParaRPr lang="en-US" altLang="ja-JP" dirty="0"/>
           </a:p>
           <a:p>
             <a:pPr marL="285750" indent="-285750" algn="just">
@@ -5094,19 +5025,19 @@
               <a:buChar char="•"/>
             </a:pPr>
             <a:r>
-              <a:rPr lang="en-US" altLang="ja-JP" dirty="0" smtClean="0"/>
+              <a:rPr lang="en-US" altLang="ja-JP" dirty="0"/>
               <a:t>If you don’t find anything, it means you don’t have java in your PC. </a:t>
             </a:r>
             <a:r>
-              <a:rPr lang="en-US" altLang="ja-JP" dirty="0" err="1" smtClean="0"/>
+              <a:rPr lang="en-US" altLang="ja-JP" dirty="0" err="1"/>
               <a:t>Goto</a:t>
             </a:r>
             <a:r>
-              <a:rPr lang="en-US" altLang="ja-JP" dirty="0" smtClean="0"/>
+              <a:rPr lang="en-US" altLang="ja-JP" dirty="0"/>
               <a:t> </a:t>
             </a:r>
             <a:r>
-              <a:rPr lang="en-US" altLang="ja-JP" dirty="0" smtClean="0">
+              <a:rPr lang="en-US" altLang="ja-JP" dirty="0">
                 <a:solidFill>
                   <a:srgbClr val="00B0F0"/>
                 </a:solidFill>
@@ -5114,10 +5045,9 @@
               <a:t>STEP2</a:t>
             </a:r>
             <a:r>
-              <a:rPr lang="en-US" altLang="ja-JP" dirty="0" smtClean="0"/>
+              <a:rPr lang="en-US" altLang="ja-JP" dirty="0"/>
               <a:t> to install.</a:t>
             </a:r>
-            <a:endParaRPr lang="en-US" altLang="ja-JP" dirty="0"/>
           </a:p>
           <a:p>
             <a:pPr marL="285750" indent="-285750" algn="just">
@@ -5133,27 +5063,7 @@
             </a:pPr>
             <a:r>
               <a:rPr lang="en-US" dirty="0"/>
-              <a:t>If your Java is Version </a:t>
-            </a:r>
-            <a:r>
-              <a:rPr lang="en-US" dirty="0" smtClean="0"/>
-              <a:t>8, </a:t>
-            </a:r>
-            <a:r>
-              <a:rPr lang="en-US" dirty="0"/>
-              <a:t>then you can skip the </a:t>
-            </a:r>
-            <a:r>
-              <a:rPr lang="en-US" dirty="0" smtClean="0"/>
-              <a:t>installation </a:t>
-            </a:r>
-            <a:r>
-              <a:rPr lang="en-US" dirty="0"/>
-              <a:t>and go to Chap. 2</a:t>
-            </a:r>
-            <a:r>
-              <a:rPr lang="en-US" dirty="0" smtClean="0"/>
-              <a:t>.</a:t>
+              <a:t>If your Java is Version 8, then you can skip the installation and go to Chap. 2.</a:t>
             </a:r>
           </a:p>
         </p:txBody>
@@ -5181,15 +5091,15 @@
           <a:lstStyle/>
           <a:p>
             <a:r>
-              <a:rPr lang="en-US" smtClean="0"/>
+              <a:rPr lang="en-US"/>
               <a:t>Version </a:t>
             </a:r>
             <a:r>
-              <a:rPr lang="en-US" dirty="0" smtClean="0"/>
+              <a:rPr lang="en-US" dirty="0"/>
               <a:t>8 </a:t>
             </a:r>
             <a:r>
-              <a:rPr lang="en-US" smtClean="0"/>
+              <a:rPr lang="en-US"/>
               <a:t>Update 172!</a:t>
             </a:r>
             <a:endParaRPr lang="en-US" dirty="0"/>
@@ -5409,10 +5319,9 @@
           <a:lstStyle/>
           <a:p>
             <a:r>
-              <a:rPr lang="en-US" dirty="0" smtClean="0"/>
+              <a:rPr lang="en-US" dirty="0"/>
               <a:t>Enter “java”.</a:t>
             </a:r>
-            <a:endParaRPr lang="en-US" dirty="0"/>
           </a:p>
         </p:txBody>
       </p:sp>
@@ -5610,10 +5519,9 @@
           <a:lstStyle/>
           <a:p>
             <a:r>
-              <a:rPr lang="en-US" dirty="0" smtClean="0"/>
+              <a:rPr lang="en-US" dirty="0"/>
               <a:t>Unfortunately, your Java is Version 10.0.1…</a:t>
             </a:r>
-            <a:endParaRPr lang="en-US" dirty="0"/>
           </a:p>
         </p:txBody>
       </p:sp>
@@ -5716,10 +5624,9 @@
           <a:lstStyle/>
           <a:p>
             <a:r>
-              <a:rPr lang="en-US" dirty="0" smtClean="0"/>
+              <a:rPr lang="en-US" dirty="0"/>
               <a:t>click here to uninstall.</a:t>
             </a:r>
-            <a:endParaRPr lang="en-US" dirty="0"/>
           </a:p>
         </p:txBody>
       </p:sp>
@@ -5803,16 +5710,12 @@
             </a:r>
             <a:r>
               <a:rPr lang="en-US" altLang="ja-JP" dirty="0"/>
-              <a:t> use for visualization. </a:t>
-            </a:r>
-            <a:r>
-              <a:rPr lang="en-US" altLang="ja-JP" dirty="0" smtClean="0"/>
-              <a:t>In this case, uninstall Java and re-install version 8.</a:t>
+              <a:t> use for visualization. In this case, uninstall Java and re-install version 8.</a:t>
             </a:r>
             <a:endParaRPr lang="ja-JP" altLang="en-US" dirty="0"/>
           </a:p>
           <a:p>
-            <a:endParaRPr lang="en-US" dirty="0" smtClean="0"/>
+            <a:endParaRPr lang="en-US" dirty="0"/>
           </a:p>
           <a:p>
             <a:r>
@@ -5970,23 +5873,15 @@
           <a:p>
             <a:r>
               <a:rPr lang="en-US" altLang="ja-JP" dirty="0"/>
-              <a:t>Search “Java SE download” in </a:t>
-            </a:r>
-            <a:r>
-              <a:rPr lang="en-US" altLang="ja-JP" dirty="0" smtClean="0"/>
-              <a:t>Google and </a:t>
-            </a:r>
-            <a:r>
-              <a:rPr lang="en-US" altLang="ja-JP" dirty="0" err="1" smtClean="0"/>
+              <a:t>Search “Java SE download” in Google and </a:t>
+            </a:r>
+            <a:r>
+              <a:rPr lang="en-US" altLang="ja-JP" dirty="0" err="1"/>
               <a:t>goto</a:t>
             </a:r>
             <a:r>
               <a:rPr lang="en-US" altLang="ja-JP" dirty="0"/>
-              <a:t> </a:t>
-            </a:r>
-            <a:r>
-              <a:rPr lang="en-US" altLang="ja-JP" dirty="0" smtClean="0"/>
-              <a:t>the following website. </a:t>
+              <a:t> the following website. </a:t>
             </a:r>
           </a:p>
         </p:txBody>
@@ -6049,7 +5944,7 @@
           <a:lstStyle/>
           <a:p>
             <a:r>
-              <a:rPr lang="en-US" dirty="0" smtClean="0">
+              <a:rPr lang="en-US" dirty="0">
                 <a:solidFill>
                   <a:srgbClr val="00B0F0"/>
                 </a:solidFill>
@@ -6057,10 +5952,9 @@
               <a:t>STEP2</a:t>
             </a:r>
             <a:r>
-              <a:rPr lang="en-US" dirty="0" smtClean="0"/>
+              <a:rPr lang="en-US" dirty="0"/>
               <a:t>: Install Java8.</a:t>
             </a:r>
-            <a:endParaRPr lang="en-US" dirty="0"/>
           </a:p>
         </p:txBody>
       </p:sp>
@@ -6307,10 +6201,9 @@
           <a:lstStyle/>
           <a:p>
             <a:r>
-              <a:rPr lang="en-US" dirty="0" smtClean="0"/>
+              <a:rPr lang="en-US" dirty="0"/>
               <a:t>Not this! </a:t>
             </a:r>
-            <a:endParaRPr lang="en-US" dirty="0"/>
           </a:p>
         </p:txBody>
       </p:sp>
@@ -6337,10 +6230,9 @@
           <a:lstStyle/>
           <a:p>
             <a:r>
-              <a:rPr lang="en-US" smtClean="0"/>
+              <a:rPr lang="en-US"/>
               <a:t>Java SE 8u</a:t>
             </a:r>
-            <a:endParaRPr lang="en-US"/>
           </a:p>
         </p:txBody>
       </p:sp>
@@ -6531,10 +6423,9 @@
           <a:lstStyle/>
           <a:p>
             <a:r>
-              <a:rPr lang="en-US" dirty="0" smtClean="0"/>
+              <a:rPr lang="en-US" dirty="0"/>
               <a:t>accept</a:t>
             </a:r>
-            <a:endParaRPr lang="en-US" dirty="0"/>
           </a:p>
         </p:txBody>
       </p:sp>
@@ -6561,7 +6452,7 @@
           <a:lstStyle/>
           <a:p>
             <a:r>
-              <a:rPr lang="en-US" smtClean="0"/>
+              <a:rPr lang="en-US"/>
               <a:t>download “i586” (32-bit) or “x64” (64-bit). </a:t>
             </a:r>
             <a:endParaRPr lang="en-US" dirty="0"/>
@@ -6627,20 +6518,20 @@
           <a:lstStyle/>
           <a:p>
             <a:r>
-              <a:rPr lang="en-US" dirty="0" smtClean="0"/>
+              <a:rPr lang="en-US" dirty="0"/>
               <a:t>Double click, follow the instruction, and you’re done.</a:t>
             </a:r>
           </a:p>
           <a:p>
-            <a:endParaRPr lang="en-US" dirty="0" smtClean="0"/>
-          </a:p>
-          <a:p>
-            <a:r>
-              <a:rPr lang="en-US" dirty="0" smtClean="0"/>
+            <a:endParaRPr lang="en-US" dirty="0"/>
+          </a:p>
+          <a:p>
+            <a:r>
+              <a:rPr lang="en-US" dirty="0"/>
               <a:t>You may do </a:t>
             </a:r>
             <a:r>
-              <a:rPr lang="en-US" dirty="0" smtClean="0">
+              <a:rPr lang="en-US" dirty="0">
                 <a:solidFill>
                   <a:srgbClr val="00B0F0"/>
                 </a:solidFill>
@@ -6648,10 +6539,9 @@
               <a:t>STEP1</a:t>
             </a:r>
             <a:r>
-              <a:rPr lang="en-US" dirty="0" smtClean="0"/>
+              <a:rPr lang="en-US" dirty="0"/>
               <a:t> to double check you’ve got the right version installed.</a:t>
             </a:r>
-            <a:endParaRPr lang="en-US" dirty="0"/>
           </a:p>
         </p:txBody>
       </p:sp>
@@ -6682,31 +6572,31 @@
               <a:t>http://</a:t>
             </a:r>
             <a:r>
-              <a:rPr lang="en-US" altLang="ja-JP" sz="1400" dirty="0" err="1" smtClean="0"/>
+              <a:rPr lang="en-US" altLang="ja-JP" sz="1400" dirty="0" err="1"/>
               <a:t>www.oracle.com</a:t>
             </a:r>
             <a:r>
-              <a:rPr lang="en-US" altLang="ja-JP" sz="1400" dirty="0" smtClean="0"/>
+              <a:rPr lang="en-US" altLang="ja-JP" sz="1400" dirty="0"/>
               <a:t>/</a:t>
             </a:r>
             <a:r>
-              <a:rPr lang="en-US" altLang="ja-JP" sz="1400" dirty="0" err="1" smtClean="0"/>
+              <a:rPr lang="en-US" altLang="ja-JP" sz="1400" dirty="0" err="1"/>
               <a:t>technetwork</a:t>
             </a:r>
             <a:r>
-              <a:rPr lang="en-US" altLang="ja-JP" sz="1400" dirty="0" smtClean="0"/>
+              <a:rPr lang="en-US" altLang="ja-JP" sz="1400" dirty="0"/>
               <a:t>/java/</a:t>
             </a:r>
             <a:r>
-              <a:rPr lang="en-US" altLang="ja-JP" sz="1400" dirty="0" err="1" smtClean="0"/>
+              <a:rPr lang="en-US" altLang="ja-JP" sz="1400" dirty="0" err="1"/>
               <a:t>javase</a:t>
             </a:r>
             <a:r>
-              <a:rPr lang="en-US" altLang="ja-JP" sz="1400" dirty="0" smtClean="0"/>
+              <a:rPr lang="en-US" altLang="ja-JP" sz="1400" dirty="0"/>
               <a:t>/downloads/</a:t>
             </a:r>
             <a:r>
-              <a:rPr lang="en-US" altLang="ja-JP" sz="1400" dirty="0" err="1" smtClean="0"/>
+              <a:rPr lang="en-US" altLang="ja-JP" sz="1400" dirty="0" err="1"/>
               <a:t>index.html</a:t>
             </a:r>
             <a:endParaRPr lang="en-US" altLang="ja-JP" sz="1400" dirty="0"/>
@@ -6908,15 +6798,7 @@
           <a:p>
             <a:r>
               <a:rPr lang="en-US" altLang="ja-JP" dirty="0"/>
-              <a:t>2. </a:t>
-            </a:r>
-            <a:r>
-              <a:rPr lang="en-US" altLang="ja-JP" dirty="0" smtClean="0"/>
-              <a:t>Download </a:t>
-            </a:r>
-            <a:r>
-              <a:rPr lang="en-US" altLang="ja-JP" dirty="0"/>
-              <a:t>Java3D</a:t>
+              <a:t>2. Download Java3D</a:t>
             </a:r>
             <a:endParaRPr kumimoji="1" lang="ja-JP" altLang="en-US" dirty="0"/>
           </a:p>
@@ -7015,31 +6897,31 @@
           <a:lstStyle/>
           <a:p>
             <a:r>
-              <a:rPr lang="en-US" altLang="ja-JP" dirty="0" err="1" smtClean="0"/>
+              <a:rPr lang="en-US" altLang="ja-JP" dirty="0" err="1"/>
               <a:t>JSindo</a:t>
             </a:r>
             <a:r>
-              <a:rPr lang="en-US" altLang="ja-JP" dirty="0" smtClean="0"/>
+              <a:rPr lang="en-US" altLang="ja-JP" dirty="0"/>
               <a:t> uses Java3D for visualization. A stable version, 1.6.0, is available from </a:t>
             </a:r>
             <a:r>
-              <a:rPr lang="en-US" altLang="ja-JP" dirty="0" err="1" smtClean="0"/>
+              <a:rPr lang="en-US" altLang="ja-JP" dirty="0" err="1"/>
               <a:t>JogAmp</a:t>
             </a:r>
             <a:r>
-              <a:rPr lang="en-US" altLang="ja-JP" dirty="0" smtClean="0"/>
+              <a:rPr lang="en-US" altLang="ja-JP" dirty="0"/>
               <a:t>. </a:t>
             </a:r>
             <a:r>
-              <a:rPr lang="en-US" altLang="ja-JP" dirty="0" err="1" smtClean="0"/>
+              <a:rPr lang="en-US" altLang="ja-JP" dirty="0" err="1"/>
               <a:t>Goto</a:t>
             </a:r>
             <a:r>
-              <a:rPr lang="en-US" altLang="ja-JP" dirty="0" smtClean="0"/>
+              <a:rPr lang="en-US" altLang="ja-JP" dirty="0"/>
               <a:t> http://</a:t>
             </a:r>
             <a:r>
-              <a:rPr lang="en-US" altLang="ja-JP" dirty="0" err="1" smtClean="0"/>
+              <a:rPr lang="en-US" altLang="ja-JP" dirty="0" err="1"/>
               <a:t>jogamp.org</a:t>
             </a:r>
             <a:endParaRPr kumimoji="1" lang="ja-JP" altLang="en-US" dirty="0"/>
@@ -7182,7 +7064,7 @@
           <a:lstStyle/>
           <a:p>
             <a:r>
-              <a:rPr kumimoji="1" lang="en-US" altLang="ja-JP" smtClean="0"/>
+              <a:rPr kumimoji="1" lang="en-US" altLang="ja-JP"/>
               <a:t>click here</a:t>
             </a:r>
             <a:endParaRPr kumimoji="1" lang="ja-JP" altLang="en-US" dirty="0"/>
@@ -7248,19 +7130,156 @@
           <a:lstStyle/>
           <a:p>
             <a:r>
-              <a:rPr kumimoji="1" lang="en-US" altLang="ja-JP" dirty="0" smtClean="0"/>
+              <a:rPr kumimoji="1" lang="en-US" altLang="ja-JP" dirty="0"/>
               <a:t>click here and download</a:t>
             </a:r>
           </a:p>
           <a:p>
             <a:r>
-              <a:rPr lang="en-US" altLang="ja-JP" dirty="0" smtClean="0"/>
+              <a:rPr lang="en-US" altLang="ja-JP" dirty="0"/>
               <a:t>jogamp-all-platforms.7z</a:t>
             </a:r>
             <a:endParaRPr kumimoji="1" lang="ja-JP" altLang="en-US" dirty="0"/>
           </a:p>
         </p:txBody>
       </p:sp>
+      <p:sp>
+        <p:nvSpPr>
+          <p:cNvPr id="14" name="テキスト ボックス 13">
+            <a:extLst>
+              <a:ext uri="{FF2B5EF4-FFF2-40B4-BE49-F238E27FC236}">
+                <a16:creationId xmlns:a16="http://schemas.microsoft.com/office/drawing/2014/main" id="{064D9ED3-A4B2-8945-9475-3FFD0A427E35}"/>
+              </a:ext>
+            </a:extLst>
+          </p:cNvPr>
+          <p:cNvSpPr txBox="1"/>
+          <p:nvPr/>
+        </p:nvSpPr>
+        <p:spPr>
+          <a:xfrm>
+            <a:off x="1816227" y="5910029"/>
+            <a:ext cx="4698402" cy="369332"/>
+          </a:xfrm>
+          <a:prstGeom prst="rect">
+            <a:avLst/>
+          </a:prstGeom>
+          <a:noFill/>
+        </p:spPr>
+        <p:txBody>
+          <a:bodyPr wrap="none" rtlCol="0">
+            <a:spAutoFit/>
+          </a:bodyPr>
+          <a:lstStyle/>
+          <a:p>
+            <a:r>
+              <a:rPr kumimoji="1" lang="en-US" altLang="ja-JP" dirty="0"/>
+              <a:t>Go back to the main page, then go to </a:t>
+            </a:r>
+            <a:r>
+              <a:rPr lang="en-US" altLang="ja-JP" dirty="0"/>
+              <a:t>Wiki page,</a:t>
+            </a:r>
+            <a:endParaRPr kumimoji="1" lang="ja-JP" altLang="en-US" dirty="0"/>
+          </a:p>
+        </p:txBody>
+      </p:sp>
+      <p:sp>
+        <p:nvSpPr>
+          <p:cNvPr id="17" name="正方形/長方形 16">
+            <a:extLst>
+              <a:ext uri="{FF2B5EF4-FFF2-40B4-BE49-F238E27FC236}">
+                <a16:creationId xmlns:a16="http://schemas.microsoft.com/office/drawing/2014/main" id="{C40F3FEE-C1D6-C644-B9EF-D3232375E242}"/>
+              </a:ext>
+            </a:extLst>
+          </p:cNvPr>
+          <p:cNvSpPr/>
+          <p:nvPr/>
+        </p:nvSpPr>
+        <p:spPr>
+          <a:xfrm>
+            <a:off x="2407507" y="2027753"/>
+            <a:ext cx="283141" cy="210950"/>
+          </a:xfrm>
+          <a:prstGeom prst="rect">
+            <a:avLst/>
+          </a:prstGeom>
+          <a:noFill/>
+          <a:ln w="28575">
+            <a:solidFill>
+              <a:srgbClr val="00B050"/>
+            </a:solidFill>
+            <a:prstDash val="sysDash"/>
+          </a:ln>
+        </p:spPr>
+        <p:style>
+          <a:lnRef idx="2">
+            <a:schemeClr val="accent1">
+              <a:shade val="50000"/>
+            </a:schemeClr>
+          </a:lnRef>
+          <a:fillRef idx="1">
+            <a:schemeClr val="accent1"/>
+          </a:fillRef>
+          <a:effectRef idx="0">
+            <a:schemeClr val="accent1"/>
+          </a:effectRef>
+          <a:fontRef idx="minor">
+            <a:schemeClr val="lt1"/>
+          </a:fontRef>
+        </p:style>
+        <p:txBody>
+          <a:bodyPr rtlCol="0" anchor="ctr"/>
+          <a:lstStyle/>
+          <a:p>
+            <a:pPr algn="ctr"/>
+            <a:endParaRPr kumimoji="1" lang="ja-JP" altLang="en-US"/>
+          </a:p>
+        </p:txBody>
+      </p:sp>
+      <p:cxnSp>
+        <p:nvCxnSpPr>
+          <p:cNvPr id="18" name="直線矢印コネクタ 17">
+            <a:extLst>
+              <a:ext uri="{FF2B5EF4-FFF2-40B4-BE49-F238E27FC236}">
+                <a16:creationId xmlns:a16="http://schemas.microsoft.com/office/drawing/2014/main" id="{6246D07A-D814-C542-8F9D-283B93E72E90}"/>
+              </a:ext>
+            </a:extLst>
+          </p:cNvPr>
+          <p:cNvCxnSpPr>
+            <a:cxnSpLocks/>
+          </p:cNvCxnSpPr>
+          <p:nvPr/>
+        </p:nvCxnSpPr>
+        <p:spPr>
+          <a:xfrm flipV="1">
+            <a:off x="2483768" y="2280746"/>
+            <a:ext cx="0" cy="3436882"/>
+          </a:xfrm>
+          <a:prstGeom prst="straightConnector1">
+            <a:avLst/>
+          </a:prstGeom>
+          <a:ln w="28575">
+            <a:solidFill>
+              <a:srgbClr val="00B050"/>
+            </a:solidFill>
+            <a:tailEnd type="triangle"/>
+          </a:ln>
+        </p:spPr>
+        <p:style>
+          <a:lnRef idx="1">
+            <a:schemeClr val="accent1"/>
+          </a:lnRef>
+          <a:fillRef idx="0">
+            <a:schemeClr val="accent1"/>
+          </a:fillRef>
+          <a:effectRef idx="0">
+            <a:schemeClr val="accent1"/>
+          </a:effectRef>
+          <a:fontRef idx="minor">
+            <a:schemeClr val="tx1"/>
+          </a:fontRef>
+        </p:style>
+      </p:cxnSp>
     </p:spTree>
     <p:extLst>
       <p:ext uri="{BB962C8B-B14F-4D97-AF65-F5344CB8AC3E}">
@@ -7450,7 +7469,7 @@
           <a:lstStyle/>
           <a:p>
             <a:r>
-              <a:rPr kumimoji="1" lang="en-US" altLang="ja-JP" dirty="0" smtClean="0"/>
+              <a:rPr kumimoji="1" lang="en-US" altLang="ja-JP" dirty="0"/>
               <a:t>click here</a:t>
             </a:r>
             <a:endParaRPr kumimoji="1" lang="ja-JP" altLang="en-US" dirty="0"/>
@@ -7563,21 +7582,21 @@
           <a:lstStyle/>
           <a:p>
             <a:r>
-              <a:rPr kumimoji="1" lang="en-US" altLang="ja-JP" dirty="0" smtClean="0"/>
+              <a:rPr kumimoji="1" lang="en-US" altLang="ja-JP" dirty="0"/>
               <a:t>click </a:t>
             </a:r>
             <a:r>
-              <a:rPr kumimoji="1" lang="en-US" altLang="ja-JP" smtClean="0"/>
+              <a:rPr kumimoji="1" lang="en-US" altLang="ja-JP"/>
               <a:t>here and </a:t>
             </a:r>
             <a:r>
-              <a:rPr kumimoji="1" lang="en-US" altLang="ja-JP" dirty="0" smtClean="0"/>
+              <a:rPr kumimoji="1" lang="en-US" altLang="ja-JP" dirty="0"/>
               <a:t>download</a:t>
             </a:r>
           </a:p>
           <a:p>
             <a:r>
-              <a:rPr lang="en-US" altLang="ja-JP" dirty="0" smtClean="0"/>
+              <a:rPr lang="en-US" altLang="ja-JP" dirty="0"/>
               <a:t>jogamp-java3d.7z</a:t>
             </a:r>
             <a:endParaRPr kumimoji="1" lang="ja-JP" altLang="en-US" dirty="0"/>
@@ -7643,38 +7662,8 @@
           <a:lstStyle/>
           <a:p>
             <a:r>
-              <a:rPr kumimoji="1" lang="en-US" altLang="ja-JP" smtClean="0"/>
+              <a:rPr kumimoji="1" lang="en-US" altLang="ja-JP"/>
               <a:t>…</a:t>
-            </a:r>
-            <a:endParaRPr kumimoji="1" lang="ja-JP" altLang="en-US" dirty="0"/>
-          </a:p>
-        </p:txBody>
-      </p:sp>
-      <p:sp>
-        <p:nvSpPr>
-          <p:cNvPr id="45" name="テキスト ボックス 44"/>
-          <p:cNvSpPr txBox="1"/>
-          <p:nvPr/>
-        </p:nvSpPr>
-        <p:spPr>
-          <a:xfrm>
-            <a:off x="529293" y="298623"/>
-            <a:ext cx="4134145" cy="369332"/>
-          </a:xfrm>
-          <a:prstGeom prst="rect">
-            <a:avLst/>
-          </a:prstGeom>
-          <a:noFill/>
-        </p:spPr>
-        <p:txBody>
-          <a:bodyPr wrap="none" rtlCol="0">
-            <a:spAutoFit/>
-          </a:bodyPr>
-          <a:lstStyle/>
-          <a:p>
-            <a:r>
-              <a:rPr kumimoji="1" lang="en-US" altLang="ja-JP" dirty="0" smtClean="0"/>
-              <a:t>Go back to the Main page and scroll down</a:t>
             </a:r>
             <a:endParaRPr kumimoji="1" lang="ja-JP" altLang="en-US" dirty="0"/>
           </a:p>
@@ -7703,11 +7692,11 @@
           <a:lstStyle/>
           <a:p>
             <a:r>
-              <a:rPr kumimoji="1" lang="en-US" altLang="ja-JP" dirty="0" smtClean="0"/>
+              <a:rPr kumimoji="1" lang="en-US" altLang="ja-JP" dirty="0"/>
               <a:t>Unarchive the two files you’ve just downloaded.</a:t>
             </a:r>
             <a:r>
-              <a:rPr lang="en-US" altLang="ja-JP" dirty="0" smtClean="0"/>
+              <a:rPr lang="en-US" altLang="ja-JP" dirty="0"/>
               <a:t> 7z files can be unarchived using, for example, “7Z Opener”</a:t>
             </a:r>
             <a:endParaRPr kumimoji="1" lang="ja-JP" altLang="en-US" dirty="0"/>
@@ -7773,11 +7762,11 @@
           <a:lstStyle/>
           <a:p>
             <a:r>
-              <a:rPr kumimoji="1" lang="en-US" altLang="ja-JP" smtClean="0"/>
+              <a:rPr kumimoji="1" lang="en-US" altLang="ja-JP"/>
               <a:t>Scroll </a:t>
             </a:r>
             <a:r>
-              <a:rPr kumimoji="1" lang="en-US" altLang="ja-JP" dirty="0" smtClean="0"/>
+              <a:rPr kumimoji="1" lang="en-US" altLang="ja-JP" dirty="0"/>
               <a:t>down</a:t>
             </a:r>
             <a:endParaRPr kumimoji="1" lang="ja-JP" altLang="en-US" dirty="0"/>
@@ -7874,16 +7863,56 @@
               </a:spcBef>
             </a:pPr>
             <a:r>
-              <a:rPr kumimoji="1" lang="en-US" altLang="ja-JP" dirty="0" smtClean="0"/>
+              <a:rPr kumimoji="1" lang="en-US" altLang="ja-JP" dirty="0"/>
               <a:t>7Z Opener</a:t>
             </a:r>
             <a:endParaRPr lang="en-US" altLang="ja-JP" dirty="0"/>
           </a:p>
           <a:p>
             <a:r>
-              <a:rPr kumimoji="1" lang="en-US" altLang="ja-JP" dirty="0" smtClean="0"/>
+              <a:rPr kumimoji="1" lang="en-US" altLang="ja-JP" dirty="0"/>
               <a:t>Tiny Opener</a:t>
             </a:r>
+          </a:p>
+        </p:txBody>
+      </p:sp>
+      <p:sp>
+        <p:nvSpPr>
+          <p:cNvPr id="19" name="テキスト ボックス 18">
+            <a:extLst>
+              <a:ext uri="{FF2B5EF4-FFF2-40B4-BE49-F238E27FC236}">
+                <a16:creationId xmlns:a16="http://schemas.microsoft.com/office/drawing/2014/main" id="{A135A7EA-BEFF-E345-BFDF-6D86CEBD96CA}"/>
+              </a:ext>
+            </a:extLst>
+          </p:cNvPr>
+          <p:cNvSpPr txBox="1"/>
+          <p:nvPr/>
+        </p:nvSpPr>
+        <p:spPr>
+          <a:xfrm>
+            <a:off x="529293" y="290580"/>
+            <a:ext cx="2670796" cy="369332"/>
+          </a:xfrm>
+          <a:prstGeom prst="rect">
+            <a:avLst/>
+          </a:prstGeom>
+          <a:noFill/>
+        </p:spPr>
+        <p:txBody>
+          <a:bodyPr wrap="none" rtlCol="0">
+            <a:spAutoFit/>
+          </a:bodyPr>
+          <a:lstStyle/>
+          <a:p>
+            <a:r>
+              <a:rPr kumimoji="1" lang="en-US" altLang="ja-JP" dirty="0"/>
+              <a:t>Scroll down the </a:t>
+            </a:r>
+            <a:r>
+              <a:rPr lang="en-US" altLang="ja-JP" dirty="0"/>
+              <a:t>Wiki page,</a:t>
+            </a:r>
+            <a:endParaRPr kumimoji="1" lang="ja-JP" altLang="en-US" dirty="0"/>
           </a:p>
         </p:txBody>
       </p:sp>
@@ -7963,27 +7992,27 @@
           <a:lstStyle/>
           <a:p>
             <a:r>
-              <a:rPr kumimoji="1" lang="en-US" altLang="ja-JP" dirty="0" smtClean="0"/>
+              <a:rPr kumimoji="1" lang="en-US" altLang="ja-JP" dirty="0"/>
               <a:t>You will find jar files </a:t>
             </a:r>
             <a:r>
-              <a:rPr lang="en-US" altLang="ja-JP" dirty="0" smtClean="0"/>
+              <a:rPr lang="en-US" altLang="ja-JP" dirty="0"/>
               <a:t>in </a:t>
             </a:r>
             <a:r>
-              <a:rPr lang="en-US" altLang="ja-JP" dirty="0" err="1" smtClean="0"/>
+              <a:rPr lang="en-US" altLang="ja-JP" dirty="0" err="1"/>
               <a:t>jogamp</a:t>
             </a:r>
             <a:r>
-              <a:rPr lang="en-US" altLang="ja-JP" dirty="0" smtClean="0"/>
+              <a:rPr lang="en-US" altLang="ja-JP" dirty="0"/>
               <a:t>-all-platforms/jar and in jogamp-java3d. The following jar files are needed for </a:t>
             </a:r>
             <a:r>
-              <a:rPr lang="en-US" altLang="ja-JP" dirty="0" err="1" smtClean="0"/>
+              <a:rPr lang="en-US" altLang="ja-JP" dirty="0" err="1"/>
               <a:t>JSindo</a:t>
             </a:r>
             <a:r>
-              <a:rPr lang="en-US" altLang="ja-JP" dirty="0" smtClean="0"/>
+              <a:rPr lang="en-US" altLang="ja-JP" dirty="0"/>
               <a:t>:</a:t>
             </a:r>
             <a:endParaRPr kumimoji="1" lang="ja-JP" altLang="en-US" dirty="0"/>
@@ -8018,7 +8047,7 @@
           <a:lstStyle/>
           <a:p>
             <a:r>
-              <a:rPr lang="en-US" altLang="ja-JP" sz="1200" dirty="0" err="1" smtClean="0">
+              <a:rPr lang="en-US" altLang="ja-JP" sz="1200" dirty="0" err="1">
                 <a:latin typeface="Courier" charset="0"/>
                 <a:ea typeface="Courier" charset="0"/>
                 <a:cs typeface="Courier" charset="0"/>
@@ -8026,7 +8055,7 @@
               <a:t>jogamp</a:t>
             </a:r>
             <a:r>
-              <a:rPr lang="en-US" altLang="ja-JP" sz="1200" dirty="0" smtClean="0">
+              <a:rPr lang="en-US" altLang="ja-JP" sz="1200" dirty="0">
                 <a:latin typeface="Courier" charset="0"/>
                 <a:ea typeface="Courier" charset="0"/>
                 <a:cs typeface="Courier" charset="0"/>
@@ -8037,14 +8066,14 @@
           <a:p>
             <a:pPr lvl="1"/>
             <a:r>
-              <a:rPr lang="en-US" altLang="ja-JP" sz="1200" dirty="0" err="1" smtClean="0">
+              <a:rPr lang="en-US" altLang="ja-JP" sz="1200" dirty="0" err="1">
                 <a:latin typeface="Courier" charset="0"/>
                 <a:ea typeface="Courier" charset="0"/>
                 <a:cs typeface="Courier" charset="0"/>
               </a:rPr>
               <a:t>gluegen-rt.jar</a:t>
             </a:r>
-            <a:endParaRPr lang="en-US" altLang="ja-JP" sz="1200" dirty="0" smtClean="0">
+            <a:endParaRPr lang="en-US" altLang="ja-JP" sz="1200" dirty="0">
               <a:latin typeface="Courier" charset="0"/>
               <a:ea typeface="Courier" charset="0"/>
               <a:cs typeface="Courier" charset="0"/>
@@ -8053,14 +8082,14 @@
           <a:p>
             <a:pPr lvl="1"/>
             <a:r>
-              <a:rPr lang="en-US" altLang="ja-JP" sz="1200" dirty="0" err="1" smtClean="0">
+              <a:rPr lang="en-US" altLang="ja-JP" sz="1200" dirty="0" err="1">
                 <a:latin typeface="Courier" charset="0"/>
                 <a:ea typeface="Courier" charset="0"/>
                 <a:cs typeface="Courier" charset="0"/>
               </a:rPr>
               <a:t>gluegen.jar</a:t>
             </a:r>
-            <a:endParaRPr lang="en-US" altLang="ja-JP" sz="1200" dirty="0" smtClean="0">
+            <a:endParaRPr lang="en-US" altLang="ja-JP" sz="1200" dirty="0">
               <a:latin typeface="Courier" charset="0"/>
               <a:ea typeface="Courier" charset="0"/>
               <a:cs typeface="Courier" charset="0"/>
@@ -8069,7 +8098,7 @@
           <a:p>
             <a:pPr lvl="1"/>
             <a:r>
-              <a:rPr lang="en-US" altLang="ja-JP" sz="1200" dirty="0" err="1" smtClean="0">
+              <a:rPr lang="en-US" altLang="ja-JP" sz="1200" dirty="0" err="1">
                 <a:latin typeface="Courier" charset="0"/>
                 <a:ea typeface="Courier" charset="0"/>
                 <a:cs typeface="Courier" charset="0"/>
@@ -8077,7 +8106,7 @@
               <a:t>gluegen</a:t>
             </a:r>
             <a:r>
-              <a:rPr lang="en-US" altLang="ja-JP" sz="1200" dirty="0" smtClean="0">
+              <a:rPr lang="en-US" altLang="ja-JP" sz="1200" dirty="0">
                 <a:latin typeface="Courier" charset="0"/>
                 <a:ea typeface="Courier" charset="0"/>
                 <a:cs typeface="Courier" charset="0"/>
@@ -8085,7 +8114,7 @@
               <a:t>-</a:t>
             </a:r>
             <a:r>
-              <a:rPr lang="en-US" altLang="ja-JP" sz="1200" dirty="0" err="1" smtClean="0">
+              <a:rPr lang="en-US" altLang="ja-JP" sz="1200" dirty="0" err="1">
                 <a:latin typeface="Courier" charset="0"/>
                 <a:ea typeface="Courier" charset="0"/>
                 <a:cs typeface="Courier" charset="0"/>
@@ -8093,7 +8122,7 @@
               <a:t>rt</a:t>
             </a:r>
             <a:r>
-              <a:rPr lang="en-US" altLang="ja-JP" sz="1200" dirty="0" smtClean="0">
+              <a:rPr lang="en-US" altLang="ja-JP" sz="1200" dirty="0">
                 <a:latin typeface="Courier" charset="0"/>
                 <a:ea typeface="Courier" charset="0"/>
                 <a:cs typeface="Courier" charset="0"/>
@@ -8101,7 +8130,7 @@
               <a:t>-natives-windows-</a:t>
             </a:r>
             <a:r>
-              <a:rPr lang="en-US" altLang="ja-JP" sz="1200" dirty="0" err="1" smtClean="0">
+              <a:rPr lang="en-US" altLang="ja-JP" sz="1200" dirty="0" err="1">
                 <a:solidFill>
                   <a:srgbClr val="FF0000"/>
                 </a:solidFill>
@@ -8112,7 +8141,7 @@
               <a:t>xxx</a:t>
             </a:r>
             <a:r>
-              <a:rPr lang="en-US" altLang="ja-JP" sz="1200" dirty="0" err="1" smtClean="0">
+              <a:rPr lang="en-US" altLang="ja-JP" sz="1200" dirty="0" err="1">
                 <a:latin typeface="Courier" charset="0"/>
                 <a:ea typeface="Courier" charset="0"/>
                 <a:cs typeface="Courier" charset="0"/>
@@ -8120,7 +8149,7 @@
               <a:t>.jar</a:t>
             </a:r>
             <a:r>
-              <a:rPr lang="en-US" altLang="ja-JP" sz="1200" dirty="0" smtClean="0">
+              <a:rPr lang="en-US" altLang="ja-JP" sz="1200" dirty="0">
                 <a:latin typeface="Courier" charset="0"/>
                 <a:ea typeface="Courier" charset="0"/>
                 <a:cs typeface="Courier" charset="0"/>
@@ -8131,14 +8160,14 @@
           <a:p>
             <a:pPr lvl="1"/>
             <a:r>
-              <a:rPr lang="en-US" altLang="ja-JP" sz="1200" dirty="0" err="1" smtClean="0">
+              <a:rPr lang="en-US" altLang="ja-JP" sz="1200" dirty="0" err="1">
                 <a:latin typeface="Courier" charset="0"/>
                 <a:ea typeface="Courier" charset="0"/>
                 <a:cs typeface="Courier" charset="0"/>
               </a:rPr>
               <a:t>jogl-all.jar</a:t>
             </a:r>
-            <a:endParaRPr lang="en-US" altLang="ja-JP" sz="1200" dirty="0" smtClean="0">
+            <a:endParaRPr lang="en-US" altLang="ja-JP" sz="1200" dirty="0">
               <a:latin typeface="Courier" charset="0"/>
               <a:ea typeface="Courier" charset="0"/>
               <a:cs typeface="Courier" charset="0"/>
@@ -8147,7 +8176,7 @@
           <a:p>
             <a:pPr lvl="1"/>
             <a:r>
-              <a:rPr lang="en-US" altLang="ja-JP" sz="1200" dirty="0" err="1" smtClean="0">
+              <a:rPr lang="en-US" altLang="ja-JP" sz="1200" dirty="0" err="1">
                 <a:latin typeface="Courier" charset="0"/>
                 <a:ea typeface="Courier" charset="0"/>
                 <a:cs typeface="Courier" charset="0"/>
@@ -8155,7 +8184,7 @@
               <a:t>jogl</a:t>
             </a:r>
             <a:r>
-              <a:rPr lang="en-US" altLang="ja-JP" sz="1200" dirty="0" smtClean="0">
+              <a:rPr lang="en-US" altLang="ja-JP" sz="1200" dirty="0">
                 <a:latin typeface="Courier" charset="0"/>
                 <a:ea typeface="Courier" charset="0"/>
                 <a:cs typeface="Courier" charset="0"/>
@@ -8163,7 +8192,7 @@
               <a:t>-all-natives-windows-</a:t>
             </a:r>
             <a:r>
-              <a:rPr lang="en-US" altLang="ja-JP" sz="1200" dirty="0" err="1" smtClean="0">
+              <a:rPr lang="en-US" altLang="ja-JP" sz="1200" dirty="0" err="1">
                 <a:solidFill>
                   <a:srgbClr val="FF0000"/>
                 </a:solidFill>
@@ -8174,14 +8203,14 @@
               <a:t>xxx</a:t>
             </a:r>
             <a:r>
-              <a:rPr lang="en-US" altLang="ja-JP" sz="1200" dirty="0" err="1" smtClean="0">
+              <a:rPr lang="en-US" altLang="ja-JP" sz="1200" dirty="0" err="1">
                 <a:latin typeface="Courier" charset="0"/>
                 <a:ea typeface="Courier" charset="0"/>
                 <a:cs typeface="Courier" charset="0"/>
               </a:rPr>
               <a:t>.jar</a:t>
             </a:r>
-            <a:endParaRPr lang="en-US" altLang="ja-JP" sz="1200" dirty="0" smtClean="0">
+            <a:endParaRPr lang="en-US" altLang="ja-JP" sz="1200" dirty="0">
               <a:latin typeface="Courier" charset="0"/>
               <a:ea typeface="Courier" charset="0"/>
               <a:cs typeface="Courier" charset="0"/>
@@ -8217,7 +8246,7 @@
           <a:lstStyle/>
           <a:p>
             <a:r>
-              <a:rPr lang="en-US" altLang="ja-JP" sz="1200" dirty="0" smtClean="0">
+              <a:rPr lang="en-US" altLang="ja-JP" sz="1200" dirty="0">
                 <a:latin typeface="Courier" charset="0"/>
                 <a:ea typeface="Courier" charset="0"/>
                 <a:cs typeface="Courier" charset="0"/>
@@ -8228,7 +8257,7 @@
           <a:p>
             <a:pPr lvl="1"/>
             <a:r>
-              <a:rPr lang="en-US" altLang="ja-JP" sz="1200" dirty="0" smtClean="0">
+              <a:rPr lang="en-US" altLang="ja-JP" sz="1200" dirty="0">
                 <a:latin typeface="Courier" charset="0"/>
                 <a:ea typeface="Courier" charset="0"/>
                 <a:cs typeface="Courier" charset="0"/>
@@ -8239,7 +8268,7 @@
           <a:p>
             <a:pPr lvl="1"/>
             <a:r>
-              <a:rPr lang="en-US" altLang="ja-JP" sz="1200" dirty="0" smtClean="0">
+              <a:rPr lang="en-US" altLang="ja-JP" sz="1200" dirty="0">
                 <a:latin typeface="Courier" charset="0"/>
                 <a:ea typeface="Courier" charset="0"/>
                 <a:cs typeface="Courier" charset="0"/>
@@ -8257,7 +8286,7 @@
               </a:rPr>
               <a:t>vecmath.jar</a:t>
             </a:r>
-            <a:endParaRPr lang="en-US" altLang="ja-JP" sz="1200" dirty="0" smtClean="0">
+            <a:endParaRPr lang="en-US" altLang="ja-JP" sz="1200" dirty="0">
               <a:latin typeface="Courier" charset="0"/>
               <a:ea typeface="Courier" charset="0"/>
               <a:cs typeface="Courier" charset="0"/>
@@ -8288,11 +8317,11 @@
           <a:lstStyle/>
           <a:p>
             <a:r>
-              <a:rPr kumimoji="1" lang="en-US" altLang="ja-JP" dirty="0" smtClean="0"/>
+              <a:rPr kumimoji="1" lang="en-US" altLang="ja-JP" dirty="0"/>
               <a:t>where </a:t>
             </a:r>
             <a:r>
-              <a:rPr kumimoji="1" lang="en-US" altLang="ja-JP" dirty="0" smtClean="0">
+              <a:rPr kumimoji="1" lang="en-US" altLang="ja-JP" dirty="0">
                 <a:solidFill>
                   <a:srgbClr val="FF0000"/>
                 </a:solidFill>
@@ -8300,11 +8329,11 @@
               <a:t>xxx</a:t>
             </a:r>
             <a:r>
-              <a:rPr kumimoji="1" lang="en-US" altLang="ja-JP" dirty="0" smtClean="0"/>
+              <a:rPr kumimoji="1" lang="en-US" altLang="ja-JP" dirty="0"/>
               <a:t> = i586 (32-bit) or amd64 (</a:t>
             </a:r>
             <a:r>
-              <a:rPr kumimoji="1" lang="en-US" altLang="ja-JP" smtClean="0"/>
+              <a:rPr kumimoji="1" lang="en-US" altLang="ja-JP"/>
               <a:t>64-bit).</a:t>
             </a:r>
             <a:endParaRPr kumimoji="1" lang="ja-JP" altLang="en-US" dirty="0"/>
@@ -8357,7 +8386,7 @@
           <a:lstStyle/>
           <a:p>
             <a:r>
-              <a:rPr kumimoji="1" lang="en-US" altLang="ja-JP" dirty="0" smtClean="0"/>
+              <a:rPr kumimoji="1" lang="en-US" altLang="ja-JP" dirty="0"/>
               <a:t>3. Download JAMA</a:t>
             </a:r>
             <a:endParaRPr kumimoji="1" lang="ja-JP" altLang="en-US" dirty="0"/>
@@ -8441,15 +8470,15 @@
           <a:lstStyle/>
           <a:p>
             <a:r>
-              <a:rPr kumimoji="1" lang="en-US" altLang="ja-JP" dirty="0" smtClean="0"/>
+              <a:rPr kumimoji="1" lang="en-US" altLang="ja-JP" dirty="0"/>
               <a:t>JAMA is  a linear algebra library for JAVA. We use it for </a:t>
             </a:r>
             <a:r>
-              <a:rPr kumimoji="1" lang="en-US" altLang="ja-JP" smtClean="0"/>
+              <a:rPr kumimoji="1" lang="en-US" altLang="ja-JP"/>
               <a:t>matrix multiplications</a:t>
             </a:r>
             <a:r>
-              <a:rPr kumimoji="1" lang="en-US" altLang="ja-JP" dirty="0" smtClean="0"/>
+              <a:rPr kumimoji="1" lang="en-US" altLang="ja-JP" dirty="0"/>
               <a:t>, diagonalization, and so on. It can be downloaded from, </a:t>
             </a:r>
             <a:endParaRPr kumimoji="1" lang="ja-JP" altLang="en-US" dirty="0"/>
@@ -8539,7 +8568,7 @@
           <a:lstStyle/>
           <a:p>
             <a:r>
-              <a:rPr kumimoji="1" lang="en-US" altLang="ja-JP" smtClean="0"/>
+              <a:rPr kumimoji="1" lang="en-US" altLang="ja-JP"/>
               <a:t>…</a:t>
             </a:r>
             <a:endParaRPr kumimoji="1" lang="ja-JP" altLang="en-US" dirty="0"/>
@@ -8605,11 +8634,11 @@
           <a:lstStyle/>
           <a:p>
             <a:r>
-              <a:rPr kumimoji="1" lang="en-US" altLang="ja-JP" smtClean="0"/>
+              <a:rPr kumimoji="1" lang="en-US" altLang="ja-JP"/>
               <a:t>Scroll </a:t>
             </a:r>
             <a:r>
-              <a:rPr kumimoji="1" lang="en-US" altLang="ja-JP" dirty="0" smtClean="0"/>
+              <a:rPr kumimoji="1" lang="en-US" altLang="ja-JP" dirty="0"/>
               <a:t>down</a:t>
             </a:r>
             <a:endParaRPr kumimoji="1" lang="ja-JP" altLang="en-US" dirty="0"/>
@@ -8686,15 +8715,15 @@
           <a:lstStyle/>
           <a:p>
             <a:r>
-              <a:rPr kumimoji="1" lang="en-US" altLang="ja-JP" dirty="0" smtClean="0"/>
+              <a:rPr kumimoji="1" lang="en-US" altLang="ja-JP" dirty="0"/>
               <a:t>click here and download a </a:t>
             </a:r>
             <a:r>
-              <a:rPr kumimoji="1" lang="en-US" altLang="ja-JP" dirty="0" err="1" smtClean="0"/>
+              <a:rPr kumimoji="1" lang="en-US" altLang="ja-JP" dirty="0" err="1"/>
               <a:t>jarfile</a:t>
             </a:r>
             <a:r>
-              <a:rPr kumimoji="1" lang="en-US" altLang="ja-JP" dirty="0" smtClean="0"/>
+              <a:rPr kumimoji="1" lang="en-US" altLang="ja-JP" dirty="0"/>
               <a:t>.</a:t>
             </a:r>
             <a:endParaRPr kumimoji="1" lang="ja-JP" altLang="en-US" dirty="0"/>
@@ -8806,15 +8835,15 @@
           <a:lstStyle/>
           <a:p>
             <a:r>
-              <a:rPr kumimoji="1" lang="en-US" altLang="ja-JP" dirty="0" smtClean="0"/>
+              <a:rPr kumimoji="1" lang="en-US" altLang="ja-JP" dirty="0"/>
               <a:t>4. </a:t>
             </a:r>
             <a:r>
-              <a:rPr kumimoji="1" lang="en-US" altLang="ja-JP" smtClean="0"/>
+              <a:rPr kumimoji="1" lang="en-US" altLang="ja-JP"/>
               <a:t>Copy </a:t>
             </a:r>
             <a:r>
-              <a:rPr kumimoji="1" lang="en-US" altLang="ja-JP" dirty="0" smtClean="0"/>
+              <a:rPr kumimoji="1" lang="en-US" altLang="ja-JP" dirty="0"/>
               <a:t>jar files</a:t>
             </a:r>
             <a:endParaRPr kumimoji="1" lang="ja-JP" altLang="en-US" dirty="0"/>
@@ -8877,14 +8906,14 @@
           <a:lstStyle/>
           <a:p>
             <a:r>
-              <a:rPr lang="en-US" altLang="ja-JP" sz="1200" dirty="0" err="1" smtClean="0">
+              <a:rPr lang="en-US" altLang="ja-JP" sz="1200" dirty="0" err="1">
                 <a:latin typeface="Courier" charset="0"/>
                 <a:ea typeface="Courier" charset="0"/>
                 <a:cs typeface="Courier" charset="0"/>
               </a:rPr>
               <a:t>gluegen-rt.jar</a:t>
             </a:r>
-            <a:endParaRPr lang="en-US" altLang="ja-JP" sz="1200" dirty="0" smtClean="0">
+            <a:endParaRPr lang="en-US" altLang="ja-JP" sz="1200" dirty="0">
               <a:latin typeface="Courier" charset="0"/>
               <a:ea typeface="Courier" charset="0"/>
               <a:cs typeface="Courier" charset="0"/>
@@ -8892,14 +8921,14 @@
           </a:p>
           <a:p>
             <a:r>
-              <a:rPr lang="en-US" altLang="ja-JP" sz="1200" dirty="0" err="1" smtClean="0">
+              <a:rPr lang="en-US" altLang="ja-JP" sz="1200" dirty="0" err="1">
                 <a:latin typeface="Courier" charset="0"/>
                 <a:ea typeface="Courier" charset="0"/>
                 <a:cs typeface="Courier" charset="0"/>
               </a:rPr>
               <a:t>gluegen.jar</a:t>
             </a:r>
-            <a:endParaRPr lang="en-US" altLang="ja-JP" sz="1200" dirty="0" smtClean="0">
+            <a:endParaRPr lang="en-US" altLang="ja-JP" sz="1200" dirty="0">
               <a:latin typeface="Courier" charset="0"/>
               <a:ea typeface="Courier" charset="0"/>
               <a:cs typeface="Courier" charset="0"/>
@@ -8907,7 +8936,7 @@
           </a:p>
           <a:p>
             <a:r>
-              <a:rPr lang="en-US" altLang="ja-JP" sz="1200" dirty="0" err="1" smtClean="0">
+              <a:rPr lang="en-US" altLang="ja-JP" sz="1200" dirty="0" err="1">
                 <a:latin typeface="Courier" charset="0"/>
                 <a:ea typeface="Courier" charset="0"/>
                 <a:cs typeface="Courier" charset="0"/>
@@ -8915,7 +8944,7 @@
               <a:t>gluegen</a:t>
             </a:r>
             <a:r>
-              <a:rPr lang="en-US" altLang="ja-JP" sz="1200" dirty="0" smtClean="0">
+              <a:rPr lang="en-US" altLang="ja-JP" sz="1200" dirty="0">
                 <a:latin typeface="Courier" charset="0"/>
                 <a:ea typeface="Courier" charset="0"/>
                 <a:cs typeface="Courier" charset="0"/>
@@ -8923,7 +8952,7 @@
               <a:t>-</a:t>
             </a:r>
             <a:r>
-              <a:rPr lang="en-US" altLang="ja-JP" sz="1200" dirty="0" err="1" smtClean="0">
+              <a:rPr lang="en-US" altLang="ja-JP" sz="1200" dirty="0" err="1">
                 <a:latin typeface="Courier" charset="0"/>
                 <a:ea typeface="Courier" charset="0"/>
                 <a:cs typeface="Courier" charset="0"/>
@@ -8931,7 +8960,7 @@
               <a:t>rt</a:t>
             </a:r>
             <a:r>
-              <a:rPr lang="en-US" altLang="ja-JP" sz="1200" dirty="0" smtClean="0">
+              <a:rPr lang="en-US" altLang="ja-JP" sz="1200" dirty="0">
                 <a:latin typeface="Courier" charset="0"/>
                 <a:ea typeface="Courier" charset="0"/>
                 <a:cs typeface="Courier" charset="0"/>
@@ -8939,7 +8968,7 @@
               <a:t>-natives-windows-</a:t>
             </a:r>
             <a:r>
-              <a:rPr lang="en-US" altLang="ja-JP" sz="1200" dirty="0" err="1" smtClean="0">
+              <a:rPr lang="en-US" altLang="ja-JP" sz="1200" dirty="0" err="1">
                 <a:solidFill>
                   <a:srgbClr val="FF0000"/>
                 </a:solidFill>
@@ -8950,7 +8979,7 @@
               <a:t>xxx</a:t>
             </a:r>
             <a:r>
-              <a:rPr lang="en-US" altLang="ja-JP" sz="1200" dirty="0" err="1" smtClean="0">
+              <a:rPr lang="en-US" altLang="ja-JP" sz="1200" dirty="0" err="1">
                 <a:latin typeface="Courier" charset="0"/>
                 <a:ea typeface="Courier" charset="0"/>
                 <a:cs typeface="Courier" charset="0"/>
@@ -8958,7 +8987,7 @@
               <a:t>.jar</a:t>
             </a:r>
             <a:r>
-              <a:rPr lang="en-US" altLang="ja-JP" sz="1200" dirty="0" smtClean="0">
+              <a:rPr lang="en-US" altLang="ja-JP" sz="1200" dirty="0">
                 <a:latin typeface="Courier" charset="0"/>
                 <a:ea typeface="Courier" charset="0"/>
                 <a:cs typeface="Courier" charset="0"/>
@@ -8968,14 +8997,14 @@
           </a:p>
           <a:p>
             <a:r>
-              <a:rPr lang="en-US" altLang="ja-JP" sz="1200" dirty="0" err="1" smtClean="0">
+              <a:rPr lang="en-US" altLang="ja-JP" sz="1200" dirty="0" err="1">
                 <a:latin typeface="Courier" charset="0"/>
                 <a:ea typeface="Courier" charset="0"/>
                 <a:cs typeface="Courier" charset="0"/>
               </a:rPr>
               <a:t>jogl-all.jar</a:t>
             </a:r>
-            <a:endParaRPr lang="en-US" altLang="ja-JP" sz="1200" dirty="0" smtClean="0">
+            <a:endParaRPr lang="en-US" altLang="ja-JP" sz="1200" dirty="0">
               <a:latin typeface="Courier" charset="0"/>
               <a:ea typeface="Courier" charset="0"/>
               <a:cs typeface="Courier" charset="0"/>
@@ -8983,7 +9012,7 @@
           </a:p>
           <a:p>
             <a:r>
-              <a:rPr lang="en-US" altLang="ja-JP" sz="1200" dirty="0" err="1" smtClean="0">
+              <a:rPr lang="en-US" altLang="ja-JP" sz="1200" dirty="0" err="1">
                 <a:latin typeface="Courier" charset="0"/>
                 <a:ea typeface="Courier" charset="0"/>
                 <a:cs typeface="Courier" charset="0"/>
@@ -8991,7 +9020,7 @@
               <a:t>jogl</a:t>
             </a:r>
             <a:r>
-              <a:rPr lang="en-US" altLang="ja-JP" sz="1200" dirty="0" smtClean="0">
+              <a:rPr lang="en-US" altLang="ja-JP" sz="1200" dirty="0">
                 <a:latin typeface="Courier" charset="0"/>
                 <a:ea typeface="Courier" charset="0"/>
                 <a:cs typeface="Courier" charset="0"/>
@@ -8999,7 +9028,7 @@
               <a:t>-all-natives-windows-</a:t>
             </a:r>
             <a:r>
-              <a:rPr lang="en-US" altLang="ja-JP" sz="1200" dirty="0" err="1" smtClean="0">
+              <a:rPr lang="en-US" altLang="ja-JP" sz="1200" dirty="0" err="1">
                 <a:solidFill>
                   <a:srgbClr val="FF0000"/>
                 </a:solidFill>
@@ -9010,14 +9039,14 @@
               <a:t>xxx</a:t>
             </a:r>
             <a:r>
-              <a:rPr lang="en-US" altLang="ja-JP" sz="1200" dirty="0" err="1" smtClean="0">
+              <a:rPr lang="en-US" altLang="ja-JP" sz="1200" dirty="0" err="1">
                 <a:latin typeface="Courier" charset="0"/>
                 <a:ea typeface="Courier" charset="0"/>
                 <a:cs typeface="Courier" charset="0"/>
               </a:rPr>
               <a:t>.jar</a:t>
             </a:r>
-            <a:endParaRPr lang="en-US" altLang="ja-JP" sz="1200" dirty="0" smtClean="0">
+            <a:endParaRPr lang="en-US" altLang="ja-JP" sz="1200" dirty="0">
               <a:latin typeface="Courier" charset="0"/>
               <a:ea typeface="Courier" charset="0"/>
               <a:cs typeface="Courier" charset="0"/>
@@ -9053,7 +9082,7 @@
           <a:lstStyle/>
           <a:p>
             <a:r>
-              <a:rPr lang="en-US" altLang="ja-JP" sz="1200" dirty="0" smtClean="0">
+              <a:rPr lang="en-US" altLang="ja-JP" sz="1200" dirty="0">
                 <a:latin typeface="Courier" charset="0"/>
                 <a:ea typeface="Courier" charset="0"/>
                 <a:cs typeface="Courier" charset="0"/>
@@ -9063,7 +9092,7 @@
           </a:p>
           <a:p>
             <a:r>
-              <a:rPr lang="en-US" altLang="ja-JP" sz="1200" dirty="0" smtClean="0">
+              <a:rPr lang="en-US" altLang="ja-JP" sz="1200" dirty="0">
                 <a:latin typeface="Courier" charset="0"/>
                 <a:ea typeface="Courier" charset="0"/>
                 <a:cs typeface="Courier" charset="0"/>
@@ -9080,7 +9109,7 @@
               </a:rPr>
               <a:t>vecmath.jar</a:t>
             </a:r>
-            <a:endParaRPr lang="en-US" altLang="ja-JP" sz="1200" dirty="0" smtClean="0">
+            <a:endParaRPr lang="en-US" altLang="ja-JP" sz="1200" dirty="0">
               <a:latin typeface="Courier" charset="0"/>
               <a:ea typeface="Courier" charset="0"/>
               <a:cs typeface="Courier" charset="0"/>
@@ -9111,27 +9140,11 @@
           <a:lstStyle/>
           <a:p>
             <a:r>
-              <a:rPr lang="en-US" altLang="ja-JP" dirty="0" smtClean="0"/>
-              <a:t>Check whether your java is 32-bit or 64-bit</a:t>
-            </a:r>
-            <a:r>
               <a:rPr lang="en-US" altLang="ja-JP" dirty="0"/>
-              <a:t>. </a:t>
-            </a:r>
-            <a:r>
-              <a:rPr lang="en-US" altLang="ja-JP" dirty="0" smtClean="0"/>
-              <a:t>In </a:t>
-            </a:r>
-            <a:r>
-              <a:rPr lang="en-US" altLang="ja-JP" dirty="0"/>
-              <a:t>Apps &amp; </a:t>
-            </a:r>
-            <a:r>
-              <a:rPr lang="en-US" altLang="ja-JP" dirty="0" smtClean="0"/>
-              <a:t>features (see Chap. 1), you will find “Java8 Update xxx </a:t>
-            </a:r>
-            <a:r>
-              <a:rPr lang="en-US" altLang="ja-JP" dirty="0" smtClean="0">
+              <a:t>Check whether your java is 32-bit or 64-bit. In Apps &amp; features (see Chap. 1), you will find “Java8 Update xxx </a:t>
+            </a:r>
+            <a:r>
+              <a:rPr lang="en-US" altLang="ja-JP" dirty="0">
                 <a:solidFill>
                   <a:srgbClr val="FF0000"/>
                 </a:solidFill>
@@ -9139,16 +9152,8 @@
               <a:t>(64-bit)</a:t>
             </a:r>
             <a:r>
-              <a:rPr lang="en-US" altLang="ja-JP" dirty="0" smtClean="0"/>
-              <a:t>” for 64-bit, and just </a:t>
-            </a:r>
-            <a:r>
               <a:rPr lang="en-US" altLang="ja-JP" dirty="0"/>
-              <a:t>“Java8 Update </a:t>
-            </a:r>
-            <a:r>
-              <a:rPr lang="en-US" altLang="ja-JP" dirty="0" smtClean="0"/>
-              <a:t>xxx” for 32-bit. [It doesn’t explicitly write 32-bit.]</a:t>
+              <a:t>” for 64-bit, and just “Java8 Update xxx” for 32-bit. [It doesn’t explicitly write 32-bit.]</a:t>
             </a:r>
           </a:p>
           <a:p>
@@ -9201,15 +9206,11 @@
           <a:p>
             <a:r>
               <a:rPr lang="en-US" altLang="ja-JP" dirty="0"/>
-              <a:t>Copy the following jar files in this folder</a:t>
-            </a:r>
-            <a:r>
-              <a:rPr lang="en-US" altLang="ja-JP" dirty="0" smtClean="0"/>
-              <a:t>,</a:t>
-            </a:r>
-          </a:p>
-          <a:p>
-            <a:endParaRPr lang="en-US" altLang="ja-JP" dirty="0" smtClean="0"/>
+              <a:t>Copy the following jar files in this folder,</a:t>
+            </a:r>
+          </a:p>
+          <a:p>
+            <a:endParaRPr lang="en-US" altLang="ja-JP" dirty="0"/>
           </a:p>
         </p:txBody>
       </p:sp>
@@ -9241,7 +9242,7 @@
           <a:lstStyle/>
           <a:p>
             <a:r>
-              <a:rPr lang="en-US" altLang="ja-JP" sz="1200" dirty="0" smtClean="0">
+              <a:rPr lang="en-US" altLang="ja-JP" sz="1200" dirty="0">
                 <a:latin typeface="Courier" charset="0"/>
                 <a:ea typeface="Courier" charset="0"/>
                 <a:cs typeface="Courier" charset="0"/>
@@ -9298,11 +9299,11 @@
           <a:lstStyle/>
           <a:p>
             <a:r>
-              <a:rPr kumimoji="1" lang="en-US" altLang="ja-JP" dirty="0" smtClean="0"/>
+              <a:rPr kumimoji="1" lang="en-US" altLang="ja-JP" dirty="0"/>
               <a:t>where </a:t>
             </a:r>
             <a:r>
-              <a:rPr kumimoji="1" lang="en-US" altLang="ja-JP" dirty="0" smtClean="0">
+              <a:rPr kumimoji="1" lang="en-US" altLang="ja-JP" dirty="0">
                 <a:solidFill>
                   <a:srgbClr val="FF0000"/>
                 </a:solidFill>
@@ -9310,11 +9311,11 @@
               <a:t>xxx</a:t>
             </a:r>
             <a:r>
-              <a:rPr kumimoji="1" lang="en-US" altLang="ja-JP" dirty="0" smtClean="0"/>
+              <a:rPr kumimoji="1" lang="en-US" altLang="ja-JP" dirty="0"/>
               <a:t> = i586 (32-bit) or amd64 (</a:t>
             </a:r>
             <a:r>
-              <a:rPr kumimoji="1" lang="en-US" altLang="ja-JP" smtClean="0"/>
+              <a:rPr kumimoji="1" lang="en-US" altLang="ja-JP"/>
               <a:t>64-bit).</a:t>
             </a:r>
             <a:endParaRPr kumimoji="1" lang="ja-JP" altLang="en-US" dirty="0"/>
